--- a/presentation/Presentation_template.pptx
+++ b/presentation/Presentation_template.pptx
@@ -5,13 +5,14 @@
     <p:sldMasterId id="2147483648" r:id="rId1"/>
   </p:sldMasterIdLst>
   <p:notesMasterIdLst>
-    <p:notesMasterId r:id="rId6"/>
+    <p:notesMasterId r:id="rId7"/>
   </p:notesMasterIdLst>
   <p:sldIdLst>
     <p:sldId id="256" r:id="rId2"/>
     <p:sldId id="264" r:id="rId3"/>
     <p:sldId id="304" r:id="rId4"/>
     <p:sldId id="306" r:id="rId5"/>
+    <p:sldId id="307" r:id="rId6"/>
   </p:sldIdLst>
   <p:sldSz cx="10693400" cy="7569200"/>
   <p:notesSz cx="10693400" cy="7569200"/>
@@ -112,7 +113,7 @@
   </p:defaultTextStyle>
   <p:extLst>
     <p:ext uri="{EFAFB233-063F-42B5-8137-9DF3F51BA10A}">
-      <p15:sldGuideLst xmlns:p15="http://schemas.microsoft.com/office/powerpoint/2012/main" xmlns="">
+      <p15:sldGuideLst xmlns="" xmlns:p15="http://schemas.microsoft.com/office/powerpoint/2012/main">
         <p15:guide id="1" orient="horz" pos="2880">
           <p15:clr>
             <a:srgbClr val="A4A3A4"/>
@@ -2586,27 +2587,27 @@
     </dgm:pt>
   </dgm:ptLst>
   <dgm:cxnLst>
-    <dgm:cxn modelId="{B6DE77E3-77CA-D24E-91E1-9F06F785C201}" srcId="{A92D798B-F514-4C55-9637-4ECD7BC618AD}" destId="{534F87D1-B63B-FB48-A77B-A4FA7D13CD88}" srcOrd="1" destOrd="0" parTransId="{01CE2F47-B1E1-284B-9CDF-68DE0CD34B36}" sibTransId="{D28D846B-A528-0F48-A48E-30ED84D39411}"/>
+    <dgm:cxn modelId="{243B418E-9A78-3149-8EC2-1D712910C2DC}" type="presOf" srcId="{7E8238E3-0F58-4E66-BA3B-9DB6BE6DD35F}" destId="{99E50B6F-CDEF-4513-B3B6-C75FA17A2E12}" srcOrd="0" destOrd="0" presId="urn:microsoft.com/office/officeart/2005/8/layout/hProcess4"/>
     <dgm:cxn modelId="{7565BB5C-9CAA-2747-B4C7-7ED0C7881A93}" type="presOf" srcId="{534F87D1-B63B-FB48-A77B-A4FA7D13CD88}" destId="{2EA34788-3213-F946-911D-F264B2C0C2A9}" srcOrd="0" destOrd="1" presId="urn:microsoft.com/office/officeart/2005/8/layout/hProcess4"/>
+    <dgm:cxn modelId="{2702A92C-06CA-0B49-83BC-50BF8F206FB1}" type="presOf" srcId="{44E8B082-45DE-4A7F-A9F8-53876133B0D6}" destId="{2EA34788-3213-F946-911D-F264B2C0C2A9}" srcOrd="0" destOrd="0" presId="urn:microsoft.com/office/officeart/2005/8/layout/hProcess4"/>
     <dgm:cxn modelId="{28715252-2C52-5347-9E22-08F693E14949}" type="presOf" srcId="{CA3B81B0-CE16-7E43-B2C0-E96FF5F307DF}" destId="{DBEB7DE8-BE0A-7F4A-91A3-8EE0E218D615}" srcOrd="0" destOrd="1" presId="urn:microsoft.com/office/officeart/2005/8/layout/hProcess4"/>
-    <dgm:cxn modelId="{6E256C9E-1278-4C22-B513-BE6F49E87AE9}" srcId="{7E8238E3-0F58-4E66-BA3B-9DB6BE6DD35F}" destId="{50D1D4AE-6284-4639-B39D-7107C967DE93}" srcOrd="0" destOrd="0" parTransId="{F883ABD2-DD0E-40DD-BD0F-C33D93DB3A0A}" sibTransId="{6B680945-A323-4172-9DE0-35B7D7CE503D}"/>
-    <dgm:cxn modelId="{D333C3BF-4112-6D45-B18F-8B90D8CC6081}" srcId="{50D1D4AE-6284-4639-B39D-7107C967DE93}" destId="{CA3B81B0-CE16-7E43-B2C0-E96FF5F307DF}" srcOrd="1" destOrd="0" parTransId="{1A2D02BF-5F43-4742-9184-70455FF1584C}" sibTransId="{30DB80B8-FD93-724F-89FD-032A5B22EB09}"/>
-    <dgm:cxn modelId="{99DAEAAC-B9A1-3442-9056-E056086AC33E}" type="presOf" srcId="{986B40D6-B39A-8B42-BD4A-BEE5A25E36F9}" destId="{5E849DE0-904C-BF49-8E00-79295925B87B}" srcOrd="1" destOrd="2" presId="urn:microsoft.com/office/officeart/2005/8/layout/hProcess4"/>
-    <dgm:cxn modelId="{85D994DA-1A06-E147-AA79-563A19C34D1B}" type="presOf" srcId="{CA3B81B0-CE16-7E43-B2C0-E96FF5F307DF}" destId="{F0699C04-6A97-EF48-9263-51FD4739F1FF}" srcOrd="1" destOrd="1" presId="urn:microsoft.com/office/officeart/2005/8/layout/hProcess4"/>
-    <dgm:cxn modelId="{8ECEADA3-C94D-449D-870C-6B75FF1028CE}" srcId="{A92D798B-F514-4C55-9637-4ECD7BC618AD}" destId="{44E8B082-45DE-4A7F-A9F8-53876133B0D6}" srcOrd="0" destOrd="0" parTransId="{B162AAEE-0187-4161-83E1-503EB3717844}" sibTransId="{A484B21F-1807-4F86-8D1E-82F2DDAE378C}"/>
+    <dgm:cxn modelId="{7A77D7F9-A012-4264-8060-ABEB881DF896}" srcId="{7E8238E3-0F58-4E66-BA3B-9DB6BE6DD35F}" destId="{A92D798B-F514-4C55-9637-4ECD7BC618AD}" srcOrd="1" destOrd="0" parTransId="{6D1221F9-81B4-4EF1-B42A-472C601797C8}" sibTransId="{FAA4E5DD-8388-4257-B651-89A2FA4D0752}"/>
+    <dgm:cxn modelId="{CCA58C0D-D98D-AC45-9710-7C67A84C5870}" type="presOf" srcId="{534F87D1-B63B-FB48-A77B-A4FA7D13CD88}" destId="{5E849DE0-904C-BF49-8E00-79295925B87B}" srcOrd="1" destOrd="1" presId="urn:microsoft.com/office/officeart/2005/8/layout/hProcess4"/>
+    <dgm:cxn modelId="{2C928229-5E42-F744-8500-B4EBACFD7D47}" type="presOf" srcId="{44E8B082-45DE-4A7F-A9F8-53876133B0D6}" destId="{5E849DE0-904C-BF49-8E00-79295925B87B}" srcOrd="1" destOrd="0" presId="urn:microsoft.com/office/officeart/2005/8/layout/hProcess4"/>
     <dgm:cxn modelId="{7A57E268-5CF3-3A43-8889-81B0F8E4AD04}" type="presOf" srcId="{50D1D4AE-6284-4639-B39D-7107C967DE93}" destId="{85B71027-313C-944C-A2CA-222D5B5A1658}" srcOrd="0" destOrd="0" presId="urn:microsoft.com/office/officeart/2005/8/layout/hProcess4"/>
     <dgm:cxn modelId="{0FBF35D2-9DD8-014C-9964-D6ED20772266}" srcId="{A92D798B-F514-4C55-9637-4ECD7BC618AD}" destId="{986B40D6-B39A-8B42-BD4A-BEE5A25E36F9}" srcOrd="2" destOrd="0" parTransId="{0E2462C3-585B-6349-95A8-A48428B62F58}" sibTransId="{FD112935-FCE8-3D4E-9B1A-60A420069CB3}"/>
     <dgm:cxn modelId="{585A9031-7AA9-2541-B415-AEAAD39F018E}" type="presOf" srcId="{A92D798B-F514-4C55-9637-4ECD7BC618AD}" destId="{2CF8A811-4C58-244B-BF11-285BE77046F8}" srcOrd="0" destOrd="0" presId="urn:microsoft.com/office/officeart/2005/8/layout/hProcess4"/>
-    <dgm:cxn modelId="{2C928229-5E42-F744-8500-B4EBACFD7D47}" type="presOf" srcId="{44E8B082-45DE-4A7F-A9F8-53876133B0D6}" destId="{5E849DE0-904C-BF49-8E00-79295925B87B}" srcOrd="1" destOrd="0" presId="urn:microsoft.com/office/officeart/2005/8/layout/hProcess4"/>
-    <dgm:cxn modelId="{243B418E-9A78-3149-8EC2-1D712910C2DC}" type="presOf" srcId="{7E8238E3-0F58-4E66-BA3B-9DB6BE6DD35F}" destId="{99E50B6F-CDEF-4513-B3B6-C75FA17A2E12}" srcOrd="0" destOrd="0" presId="urn:microsoft.com/office/officeart/2005/8/layout/hProcess4"/>
+    <dgm:cxn modelId="{8ECEADA3-C94D-449D-870C-6B75FF1028CE}" srcId="{A92D798B-F514-4C55-9637-4ECD7BC618AD}" destId="{44E8B082-45DE-4A7F-A9F8-53876133B0D6}" srcOrd="0" destOrd="0" parTransId="{B162AAEE-0187-4161-83E1-503EB3717844}" sibTransId="{A484B21F-1807-4F86-8D1E-82F2DDAE378C}"/>
+    <dgm:cxn modelId="{B6DE77E3-77CA-D24E-91E1-9F06F785C201}" srcId="{A92D798B-F514-4C55-9637-4ECD7BC618AD}" destId="{534F87D1-B63B-FB48-A77B-A4FA7D13CD88}" srcOrd="1" destOrd="0" parTransId="{01CE2F47-B1E1-284B-9CDF-68DE0CD34B36}" sibTransId="{D28D846B-A528-0F48-A48E-30ED84D39411}"/>
+    <dgm:cxn modelId="{C234F5E3-5183-B146-A8A2-8DB710186E90}" type="presOf" srcId="{07F363F8-5443-4D43-B030-85B1BD2F4B99}" destId="{F0699C04-6A97-EF48-9263-51FD4739F1FF}" srcOrd="1" destOrd="0" presId="urn:microsoft.com/office/officeart/2005/8/layout/hProcess4"/>
+    <dgm:cxn modelId="{85D994DA-1A06-E147-AA79-563A19C34D1B}" type="presOf" srcId="{CA3B81B0-CE16-7E43-B2C0-E96FF5F307DF}" destId="{F0699C04-6A97-EF48-9263-51FD4739F1FF}" srcOrd="1" destOrd="1" presId="urn:microsoft.com/office/officeart/2005/8/layout/hProcess4"/>
+    <dgm:cxn modelId="{6E256C9E-1278-4C22-B513-BE6F49E87AE9}" srcId="{7E8238E3-0F58-4E66-BA3B-9DB6BE6DD35F}" destId="{50D1D4AE-6284-4639-B39D-7107C967DE93}" srcOrd="0" destOrd="0" parTransId="{F883ABD2-DD0E-40DD-BD0F-C33D93DB3A0A}" sibTransId="{6B680945-A323-4172-9DE0-35B7D7CE503D}"/>
     <dgm:cxn modelId="{DA9589FC-838F-1E4A-BBB9-611BC448A67C}" type="presOf" srcId="{07F363F8-5443-4D43-B030-85B1BD2F4B99}" destId="{DBEB7DE8-BE0A-7F4A-91A3-8EE0E218D615}" srcOrd="0" destOrd="0" presId="urn:microsoft.com/office/officeart/2005/8/layout/hProcess4"/>
-    <dgm:cxn modelId="{CCA58C0D-D98D-AC45-9710-7C67A84C5870}" type="presOf" srcId="{534F87D1-B63B-FB48-A77B-A4FA7D13CD88}" destId="{5E849DE0-904C-BF49-8E00-79295925B87B}" srcOrd="1" destOrd="1" presId="urn:microsoft.com/office/officeart/2005/8/layout/hProcess4"/>
-    <dgm:cxn modelId="{C234F5E3-5183-B146-A8A2-8DB710186E90}" type="presOf" srcId="{07F363F8-5443-4D43-B030-85B1BD2F4B99}" destId="{F0699C04-6A97-EF48-9263-51FD4739F1FF}" srcOrd="1" destOrd="0" presId="urn:microsoft.com/office/officeart/2005/8/layout/hProcess4"/>
-    <dgm:cxn modelId="{2702A92C-06CA-0B49-83BC-50BF8F206FB1}" type="presOf" srcId="{44E8B082-45DE-4A7F-A9F8-53876133B0D6}" destId="{2EA34788-3213-F946-911D-F264B2C0C2A9}" srcOrd="0" destOrd="0" presId="urn:microsoft.com/office/officeart/2005/8/layout/hProcess4"/>
+    <dgm:cxn modelId="{D333C3BF-4112-6D45-B18F-8B90D8CC6081}" srcId="{50D1D4AE-6284-4639-B39D-7107C967DE93}" destId="{CA3B81B0-CE16-7E43-B2C0-E96FF5F307DF}" srcOrd="1" destOrd="0" parTransId="{1A2D02BF-5F43-4742-9184-70455FF1584C}" sibTransId="{30DB80B8-FD93-724F-89FD-032A5B22EB09}"/>
     <dgm:cxn modelId="{2157065F-019D-B042-BC9F-628CDA8DDD1E}" type="presOf" srcId="{986B40D6-B39A-8B42-BD4A-BEE5A25E36F9}" destId="{2EA34788-3213-F946-911D-F264B2C0C2A9}" srcOrd="0" destOrd="2" presId="urn:microsoft.com/office/officeart/2005/8/layout/hProcess4"/>
     <dgm:cxn modelId="{8AB75BCE-C26C-B645-89AB-BC3DE2FA0520}" type="presOf" srcId="{6B680945-A323-4172-9DE0-35B7D7CE503D}" destId="{04993F1A-F208-1B47-8B9A-91D65C0363EC}" srcOrd="0" destOrd="0" presId="urn:microsoft.com/office/officeart/2005/8/layout/hProcess4"/>
+    <dgm:cxn modelId="{99DAEAAC-B9A1-3442-9056-E056086AC33E}" type="presOf" srcId="{986B40D6-B39A-8B42-BD4A-BEE5A25E36F9}" destId="{5E849DE0-904C-BF49-8E00-79295925B87B}" srcOrd="1" destOrd="2" presId="urn:microsoft.com/office/officeart/2005/8/layout/hProcess4"/>
     <dgm:cxn modelId="{D744D89F-8F00-49B8-A9CF-23175566DA43}" srcId="{50D1D4AE-6284-4639-B39D-7107C967DE93}" destId="{07F363F8-5443-4D43-B030-85B1BD2F4B99}" srcOrd="0" destOrd="0" parTransId="{E7B1A53C-508A-4D5A-9F51-A19F7262204D}" sibTransId="{0633A044-18CC-4725-89A3-47F862423F3F}"/>
-    <dgm:cxn modelId="{7A77D7F9-A012-4264-8060-ABEB881DF896}" srcId="{7E8238E3-0F58-4E66-BA3B-9DB6BE6DD35F}" destId="{A92D798B-F514-4C55-9637-4ECD7BC618AD}" srcOrd="1" destOrd="0" parTransId="{6D1221F9-81B4-4EF1-B42A-472C601797C8}" sibTransId="{FAA4E5DD-8388-4257-B651-89A2FA4D0752}"/>
     <dgm:cxn modelId="{9B85053C-74A4-B34E-84B9-71037AF1B459}" type="presParOf" srcId="{99E50B6F-CDEF-4513-B3B6-C75FA17A2E12}" destId="{66ED8938-C4F5-455A-B0C4-2FE0DA5BF18E}" srcOrd="0" destOrd="0" presId="urn:microsoft.com/office/officeart/2005/8/layout/hProcess4"/>
     <dgm:cxn modelId="{B9BE5152-48A5-9941-8361-74176068A3E7}" type="presParOf" srcId="{99E50B6F-CDEF-4513-B3B6-C75FA17A2E12}" destId="{2E111DA8-6F33-4A9B-9F89-8E0BA97EEB40}" srcOrd="1" destOrd="0" presId="urn:microsoft.com/office/officeart/2005/8/layout/hProcess4"/>
     <dgm:cxn modelId="{DCBB8292-6256-194C-B39E-48F059C66BFE}" type="presParOf" srcId="{99E50B6F-CDEF-4513-B3B6-C75FA17A2E12}" destId="{51C00026-C4D5-49C4-8079-60A70CC9A993}" srcOrd="2" destOrd="0" presId="urn:microsoft.com/office/officeart/2005/8/layout/hProcess4"/>
@@ -2649,12 +2650,8 @@
         <a:lstStyle/>
         <a:p>
           <a:r>
-            <a:rPr lang="en-US" altLang="zh-CN" dirty="0" err="1" smtClean="0"/>
-            <a:t>Forbes</a:t>
-          </a:r>
-          <a:r>
-            <a:rPr lang="en-US" altLang="zh-CN" dirty="0" err="1" smtClean="0"/>
-            <a:t>:Company</a:t>
+            <a:rPr lang="en-US" altLang="zh-CN" dirty="0" smtClean="0"/>
+            <a:t>Forbes: Company</a:t>
           </a:r>
           <a:endParaRPr lang="zh-CN" altLang="en-US" dirty="0"/>
         </a:p>
@@ -2690,12 +2687,8 @@
         <a:lstStyle/>
         <a:p>
           <a:r>
-            <a:rPr lang="en-US" altLang="zh-CN" dirty="0" err="1" smtClean="0"/>
-            <a:t>Freebase</a:t>
-          </a:r>
-          <a:r>
-            <a:rPr lang="en-US" altLang="zh-CN" dirty="0" err="1" smtClean="0"/>
-            <a:t>:Company</a:t>
+            <a:rPr lang="en-US" altLang="zh-CN" dirty="0" smtClean="0"/>
+            <a:t>Freebase:Company</a:t>
           </a:r>
           <a:endParaRPr lang="zh-CN" altLang="en-US" dirty="0"/>
         </a:p>
@@ -2731,12 +2724,16 @@
         <a:lstStyle/>
         <a:p>
           <a:r>
-            <a:rPr lang="en-US" altLang="zh-CN" dirty="0" err="1" smtClean="0"/>
-            <a:t>DBpedia</a:t>
-          </a:r>
-          <a:r>
-            <a:rPr lang="en-US" altLang="zh-CN" dirty="0" err="1" smtClean="0"/>
-            <a:t>:Location</a:t>
+            <a:rPr lang="en-US" altLang="zh-CN" dirty="0" smtClean="0"/>
+            <a:t>DBpedia:</a:t>
+          </a:r>
+          <a:r>
+            <a:rPr lang="zh-CN" altLang="en-US" dirty="0" smtClean="0"/>
+            <a:t> </a:t>
+          </a:r>
+          <a:r>
+            <a:rPr lang="en-US" altLang="zh-CN" dirty="0" smtClean="0"/>
+            <a:t>Location</a:t>
           </a:r>
           <a:endParaRPr lang="zh-CN" altLang="en-US" dirty="0"/>
         </a:p>
@@ -2772,12 +2769,16 @@
         <a:lstStyle/>
         <a:p>
           <a:r>
-            <a:rPr lang="en-US" altLang="zh-CN" dirty="0" err="1" smtClean="0"/>
-            <a:t>DBpedia</a:t>
-          </a:r>
-          <a:r>
-            <a:rPr lang="en-US" altLang="zh-CN" dirty="0" err="1" smtClean="0"/>
-            <a:t>:Company</a:t>
+            <a:rPr lang="en-US" altLang="zh-CN" dirty="0" smtClean="0"/>
+            <a:t>DBpedia:</a:t>
+          </a:r>
+          <a:r>
+            <a:rPr lang="zh-CN" altLang="en-US" dirty="0" smtClean="0"/>
+            <a:t> </a:t>
+          </a:r>
+          <a:r>
+            <a:rPr lang="en-US" altLang="zh-CN" dirty="0" smtClean="0"/>
+            <a:t>Company</a:t>
           </a:r>
           <a:endParaRPr lang="zh-CN" altLang="en-US" dirty="0"/>
         </a:p>
@@ -2805,6 +2806,570 @@
         </a:p>
       </dgm:t>
     </dgm:pt>
+    <dgm:pt modelId="{4593C0E9-7033-A14B-BED3-B2022713C4F2}">
+      <dgm:prSet custT="1"/>
+      <dgm:spPr/>
+      <dgm:t>
+        <a:bodyPr/>
+        <a:lstStyle/>
+        <a:p>
+          <a:r>
+            <a:rPr lang="en-US" altLang="zh-CN" sz="2000" dirty="0" smtClean="0"/>
+            <a:t>Total</a:t>
+          </a:r>
+          <a:r>
+            <a:rPr lang="zh-CN" altLang="en-US" sz="2000" dirty="0" smtClean="0"/>
+            <a:t> </a:t>
+          </a:r>
+          <a:r>
+            <a:rPr lang="en-US" altLang="zh-CN" sz="2000" dirty="0" smtClean="0"/>
+            <a:t>Entities:</a:t>
+          </a:r>
+          <a:r>
+            <a:rPr lang="zh-CN" altLang="en-US" sz="2000" dirty="0" smtClean="0"/>
+            <a:t> </a:t>
+          </a:r>
+          <a:r>
+            <a:rPr lang="en-US" altLang="zh-CN" sz="2000" dirty="0" smtClean="0"/>
+            <a:t>2000</a:t>
+          </a:r>
+          <a:endParaRPr lang="zh-CN" altLang="en-US" sz="2000" dirty="0"/>
+        </a:p>
+      </dgm:t>
+    </dgm:pt>
+    <dgm:pt modelId="{95E76FA1-616B-C140-9216-BFBF6897C57A}" type="parTrans" cxnId="{C7CC2E3E-81CD-DD48-BCFA-FA179778C0C7}">
+      <dgm:prSet/>
+      <dgm:spPr/>
+      <dgm:t>
+        <a:bodyPr/>
+        <a:lstStyle/>
+        <a:p>
+          <a:endParaRPr lang="zh-CN" altLang="en-US"/>
+        </a:p>
+      </dgm:t>
+    </dgm:pt>
+    <dgm:pt modelId="{B298C3AE-6F01-5D48-90B2-3496B922297B}" type="sibTrans" cxnId="{C7CC2E3E-81CD-DD48-BCFA-FA179778C0C7}">
+      <dgm:prSet/>
+      <dgm:spPr/>
+      <dgm:t>
+        <a:bodyPr/>
+        <a:lstStyle/>
+        <a:p>
+          <a:endParaRPr lang="zh-CN" altLang="en-US"/>
+        </a:p>
+      </dgm:t>
+    </dgm:pt>
+    <dgm:pt modelId="{6B35F087-0D11-8D4F-A1CC-EB05298A1604}">
+      <dgm:prSet custT="1"/>
+      <dgm:spPr/>
+      <dgm:t>
+        <a:bodyPr/>
+        <a:lstStyle/>
+        <a:p>
+          <a:r>
+            <a:rPr lang="en-US" altLang="zh-CN" sz="2000" dirty="0" smtClean="0"/>
+            <a:t>Attributes:</a:t>
+          </a:r>
+          <a:r>
+            <a:rPr lang="zh-CN" altLang="en-US" sz="2000" dirty="0" smtClean="0"/>
+            <a:t> </a:t>
+          </a:r>
+          <a:r>
+            <a:rPr lang="en-US" altLang="zh-CN" sz="2000" dirty="0" smtClean="0"/>
+            <a:t>7</a:t>
+          </a:r>
+          <a:endParaRPr lang="zh-CN" altLang="en-US" sz="2000" dirty="0"/>
+        </a:p>
+      </dgm:t>
+    </dgm:pt>
+    <dgm:pt modelId="{751A2CF6-F91A-6148-9517-791CAC8608AA}" type="parTrans" cxnId="{91A49E35-E25E-1943-9D6F-5520C7D6AC60}">
+      <dgm:prSet/>
+      <dgm:spPr/>
+      <dgm:t>
+        <a:bodyPr/>
+        <a:lstStyle/>
+        <a:p>
+          <a:endParaRPr lang="zh-CN" altLang="en-US"/>
+        </a:p>
+      </dgm:t>
+    </dgm:pt>
+    <dgm:pt modelId="{DEB13010-6AEE-C34D-8A61-08B6103B978A}" type="sibTrans" cxnId="{91A49E35-E25E-1943-9D6F-5520C7D6AC60}">
+      <dgm:prSet/>
+      <dgm:spPr/>
+      <dgm:t>
+        <a:bodyPr/>
+        <a:lstStyle/>
+        <a:p>
+          <a:endParaRPr lang="zh-CN" altLang="en-US"/>
+        </a:p>
+      </dgm:t>
+    </dgm:pt>
+    <dgm:pt modelId="{C35CFB7B-CDF9-1545-ACA1-ED73E8E2CD40}">
+      <dgm:prSet custT="1"/>
+      <dgm:spPr/>
+      <dgm:t>
+        <a:bodyPr/>
+        <a:lstStyle/>
+        <a:p>
+          <a:r>
+            <a:rPr lang="en-US" altLang="zh-CN" sz="2000" dirty="0" smtClean="0"/>
+            <a:t>Format:</a:t>
+          </a:r>
+          <a:r>
+            <a:rPr lang="zh-CN" altLang="en-US" sz="2000" dirty="0" smtClean="0"/>
+            <a:t> </a:t>
+          </a:r>
+          <a:r>
+            <a:rPr lang="en-US" altLang="zh-CN" sz="2000" dirty="0" smtClean="0"/>
+            <a:t>XLSX</a:t>
+          </a:r>
+          <a:endParaRPr lang="zh-CN" altLang="en-US" sz="2000" dirty="0"/>
+        </a:p>
+      </dgm:t>
+    </dgm:pt>
+    <dgm:pt modelId="{1C4895B7-9DBB-8E4D-9EB8-C7E737816213}" type="parTrans" cxnId="{0A54A213-6080-4344-B77A-52A424B0E268}">
+      <dgm:prSet/>
+      <dgm:spPr/>
+      <dgm:t>
+        <a:bodyPr/>
+        <a:lstStyle/>
+        <a:p>
+          <a:endParaRPr lang="zh-CN" altLang="en-US"/>
+        </a:p>
+      </dgm:t>
+    </dgm:pt>
+    <dgm:pt modelId="{571201BD-6661-5E4E-9738-DCBCDF35D76D}" type="sibTrans" cxnId="{0A54A213-6080-4344-B77A-52A424B0E268}">
+      <dgm:prSet/>
+      <dgm:spPr/>
+      <dgm:t>
+        <a:bodyPr/>
+        <a:lstStyle/>
+        <a:p>
+          <a:endParaRPr lang="zh-CN" altLang="en-US"/>
+        </a:p>
+      </dgm:t>
+    </dgm:pt>
+    <dgm:pt modelId="{62434AD7-931E-9943-A327-FEA77E1EB60B}">
+      <dgm:prSet custT="1"/>
+      <dgm:spPr/>
+      <dgm:t>
+        <a:bodyPr/>
+        <a:lstStyle/>
+        <a:p>
+          <a:r>
+            <a:rPr lang="en-US" altLang="zh-CN" sz="2000" dirty="0" smtClean="0"/>
+            <a:t>Total</a:t>
+          </a:r>
+          <a:r>
+            <a:rPr lang="zh-CN" altLang="en-US" sz="2000" dirty="0" smtClean="0"/>
+            <a:t> </a:t>
+          </a:r>
+          <a:r>
+            <a:rPr lang="en-US" altLang="zh-CN" sz="2000" dirty="0" smtClean="0"/>
+            <a:t>Entities:</a:t>
+          </a:r>
+          <a:r>
+            <a:rPr lang="zh-CN" altLang="en-US" sz="2000" dirty="0" smtClean="0"/>
+            <a:t> </a:t>
+          </a:r>
+          <a:r>
+            <a:rPr lang="en-US" altLang="zh-CN" sz="2000" dirty="0" smtClean="0"/>
+            <a:t>3182</a:t>
+          </a:r>
+          <a:endParaRPr lang="zh-CN" altLang="en-US" sz="2000" dirty="0"/>
+        </a:p>
+      </dgm:t>
+    </dgm:pt>
+    <dgm:pt modelId="{961762F4-9BD3-2946-9516-C306B8362A0F}" type="parTrans" cxnId="{170168CF-771B-AC4C-A3E4-7511A505CA7A}">
+      <dgm:prSet/>
+      <dgm:spPr/>
+      <dgm:t>
+        <a:bodyPr/>
+        <a:lstStyle/>
+        <a:p>
+          <a:endParaRPr lang="zh-CN" altLang="en-US"/>
+        </a:p>
+      </dgm:t>
+    </dgm:pt>
+    <dgm:pt modelId="{88BD48C6-7E2F-1342-BFEA-AB14E6B879A7}" type="sibTrans" cxnId="{170168CF-771B-AC4C-A3E4-7511A505CA7A}">
+      <dgm:prSet/>
+      <dgm:spPr/>
+      <dgm:t>
+        <a:bodyPr/>
+        <a:lstStyle/>
+        <a:p>
+          <a:endParaRPr lang="zh-CN" altLang="en-US"/>
+        </a:p>
+      </dgm:t>
+    </dgm:pt>
+    <dgm:pt modelId="{ACD1F96E-0E0F-CF48-BC5C-A07EA5657BC5}">
+      <dgm:prSet custT="1"/>
+      <dgm:spPr/>
+      <dgm:t>
+        <a:bodyPr/>
+        <a:lstStyle/>
+        <a:p>
+          <a:r>
+            <a:rPr lang="en-US" altLang="zh-CN" sz="2000" dirty="0" smtClean="0"/>
+            <a:t>Attributes:</a:t>
+          </a:r>
+          <a:r>
+            <a:rPr lang="zh-CN" altLang="en-US" sz="2000" dirty="0" smtClean="0"/>
+            <a:t> </a:t>
+          </a:r>
+          <a:r>
+            <a:rPr lang="en-US" altLang="zh-CN" sz="2000" dirty="0" smtClean="0"/>
+            <a:t>9</a:t>
+          </a:r>
+          <a:endParaRPr lang="zh-CN" altLang="en-US" sz="2000" dirty="0"/>
+        </a:p>
+      </dgm:t>
+    </dgm:pt>
+    <dgm:pt modelId="{F60AAF8A-5932-FD4B-B6B2-48A7A2B58C21}" type="parTrans" cxnId="{85E076BA-B697-ED47-AAD4-CFCC185CF1C6}">
+      <dgm:prSet/>
+      <dgm:spPr/>
+      <dgm:t>
+        <a:bodyPr/>
+        <a:lstStyle/>
+        <a:p>
+          <a:endParaRPr lang="zh-CN" altLang="en-US"/>
+        </a:p>
+      </dgm:t>
+    </dgm:pt>
+    <dgm:pt modelId="{C7F9F632-DDE4-7F4A-8D6D-992A0D0A9EAD}" type="sibTrans" cxnId="{85E076BA-B697-ED47-AAD4-CFCC185CF1C6}">
+      <dgm:prSet/>
+      <dgm:spPr/>
+      <dgm:t>
+        <a:bodyPr/>
+        <a:lstStyle/>
+        <a:p>
+          <a:endParaRPr lang="zh-CN" altLang="en-US"/>
+        </a:p>
+      </dgm:t>
+    </dgm:pt>
+    <dgm:pt modelId="{0208D5CB-B2A1-4747-BE1E-CEB7CAD13B08}">
+      <dgm:prSet custT="1"/>
+      <dgm:spPr/>
+      <dgm:t>
+        <a:bodyPr/>
+        <a:lstStyle/>
+        <a:p>
+          <a:r>
+            <a:rPr lang="en-US" altLang="zh-CN" sz="2000" dirty="0" smtClean="0"/>
+            <a:t>Format:</a:t>
+          </a:r>
+          <a:r>
+            <a:rPr lang="zh-CN" altLang="en-US" sz="2000" dirty="0" smtClean="0"/>
+            <a:t> </a:t>
+          </a:r>
+          <a:r>
+            <a:rPr lang="en-US" altLang="zh-CN" sz="2000" dirty="0" smtClean="0"/>
+            <a:t>JSON</a:t>
+          </a:r>
+          <a:endParaRPr lang="zh-CN" altLang="en-US" sz="2000" dirty="0"/>
+        </a:p>
+      </dgm:t>
+    </dgm:pt>
+    <dgm:pt modelId="{338BCAC9-A840-6640-BB8D-1AB1B7B5675E}" type="parTrans" cxnId="{8E7C722A-0481-084F-BA95-F1E9B5608528}">
+      <dgm:prSet/>
+      <dgm:spPr/>
+      <dgm:t>
+        <a:bodyPr/>
+        <a:lstStyle/>
+        <a:p>
+          <a:endParaRPr lang="zh-CN" altLang="en-US"/>
+        </a:p>
+      </dgm:t>
+    </dgm:pt>
+    <dgm:pt modelId="{1C153960-3D78-DB4E-A9E6-0C23E859E449}" type="sibTrans" cxnId="{8E7C722A-0481-084F-BA95-F1E9B5608528}">
+      <dgm:prSet/>
+      <dgm:spPr/>
+      <dgm:t>
+        <a:bodyPr/>
+        <a:lstStyle/>
+        <a:p>
+          <a:endParaRPr lang="zh-CN" altLang="en-US"/>
+        </a:p>
+      </dgm:t>
+    </dgm:pt>
+    <dgm:pt modelId="{9634F0BB-8682-024E-BA12-453B7DAD2004}">
+      <dgm:prSet custT="1"/>
+      <dgm:spPr/>
+      <dgm:t>
+        <a:bodyPr/>
+        <a:lstStyle/>
+        <a:p>
+          <a:r>
+            <a:rPr lang="en-US" altLang="zh-CN" sz="2000" dirty="0" smtClean="0"/>
+            <a:t>Total</a:t>
+          </a:r>
+          <a:r>
+            <a:rPr lang="zh-CN" altLang="en-US" sz="2000" dirty="0" smtClean="0"/>
+            <a:t> </a:t>
+          </a:r>
+          <a:r>
+            <a:rPr lang="en-US" altLang="zh-CN" sz="2000" dirty="0" smtClean="0"/>
+            <a:t>Entities:</a:t>
+          </a:r>
+          <a:r>
+            <a:rPr lang="zh-CN" altLang="en-US" sz="2000" dirty="0" smtClean="0"/>
+            <a:t> </a:t>
+          </a:r>
+          <a:r>
+            <a:rPr lang="en-US" altLang="zh-CN" sz="2000" dirty="0" smtClean="0"/>
+            <a:t>16051</a:t>
+          </a:r>
+          <a:endParaRPr lang="zh-CN" altLang="en-US" sz="2000" dirty="0"/>
+        </a:p>
+      </dgm:t>
+    </dgm:pt>
+    <dgm:pt modelId="{E06E2883-E28E-264B-85EE-A43678AEE049}" type="parTrans" cxnId="{6544FDAC-71B2-7F45-8FE6-B0CDF4CC457A}">
+      <dgm:prSet/>
+      <dgm:spPr/>
+      <dgm:t>
+        <a:bodyPr/>
+        <a:lstStyle/>
+        <a:p>
+          <a:endParaRPr lang="zh-CN" altLang="en-US"/>
+        </a:p>
+      </dgm:t>
+    </dgm:pt>
+    <dgm:pt modelId="{3BA7F993-13BB-FC47-A728-CF842CE625B2}" type="sibTrans" cxnId="{6544FDAC-71B2-7F45-8FE6-B0CDF4CC457A}">
+      <dgm:prSet/>
+      <dgm:spPr/>
+      <dgm:t>
+        <a:bodyPr/>
+        <a:lstStyle/>
+        <a:p>
+          <a:endParaRPr lang="zh-CN" altLang="en-US"/>
+        </a:p>
+      </dgm:t>
+    </dgm:pt>
+    <dgm:pt modelId="{F3242A28-1954-284A-8BF2-86295FD1509E}">
+      <dgm:prSet custT="1"/>
+      <dgm:spPr/>
+      <dgm:t>
+        <a:bodyPr/>
+        <a:lstStyle/>
+        <a:p>
+          <a:r>
+            <a:rPr lang="en-US" altLang="zh-CN" sz="2000" dirty="0" smtClean="0"/>
+            <a:t>Attributes:</a:t>
+          </a:r>
+          <a:r>
+            <a:rPr lang="zh-CN" altLang="en-US" sz="2000" dirty="0" smtClean="0"/>
+            <a:t> </a:t>
+          </a:r>
+          <a:r>
+            <a:rPr lang="en-US" altLang="zh-CN" sz="2000" dirty="0" smtClean="0"/>
+            <a:t>9</a:t>
+          </a:r>
+          <a:endParaRPr lang="zh-CN" altLang="en-US" sz="2000" dirty="0"/>
+        </a:p>
+      </dgm:t>
+    </dgm:pt>
+    <dgm:pt modelId="{24C3CDB5-F071-724A-82D5-1EA168E46499}" type="parTrans" cxnId="{B63AB9A6-D4AD-6B45-A14B-4F7C029CD269}">
+      <dgm:prSet/>
+      <dgm:spPr/>
+      <dgm:t>
+        <a:bodyPr/>
+        <a:lstStyle/>
+        <a:p>
+          <a:endParaRPr lang="zh-CN" altLang="en-US"/>
+        </a:p>
+      </dgm:t>
+    </dgm:pt>
+    <dgm:pt modelId="{7C16E0DD-238C-C74C-9E75-B1B37313B9FF}" type="sibTrans" cxnId="{B63AB9A6-D4AD-6B45-A14B-4F7C029CD269}">
+      <dgm:prSet/>
+      <dgm:spPr/>
+      <dgm:t>
+        <a:bodyPr/>
+        <a:lstStyle/>
+        <a:p>
+          <a:endParaRPr lang="zh-CN" altLang="en-US"/>
+        </a:p>
+      </dgm:t>
+    </dgm:pt>
+    <dgm:pt modelId="{C7F35A38-4E28-FE45-8E8A-49D7F6B0569A}">
+      <dgm:prSet custT="1"/>
+      <dgm:spPr/>
+      <dgm:t>
+        <a:bodyPr/>
+        <a:lstStyle/>
+        <a:p>
+          <a:r>
+            <a:rPr lang="en-US" altLang="zh-CN" sz="2000" dirty="0" smtClean="0"/>
+            <a:t>Format:</a:t>
+          </a:r>
+          <a:r>
+            <a:rPr lang="zh-CN" altLang="en-US" sz="2000" dirty="0" smtClean="0"/>
+            <a:t> </a:t>
+          </a:r>
+          <a:r>
+            <a:rPr lang="en-US" altLang="zh-CN" sz="2000" dirty="0" smtClean="0"/>
+            <a:t>CSV</a:t>
+          </a:r>
+          <a:endParaRPr lang="zh-CN" altLang="en-US" sz="2000" dirty="0"/>
+        </a:p>
+      </dgm:t>
+    </dgm:pt>
+    <dgm:pt modelId="{FA50C152-12BC-0C4E-8717-DC80C49B84DC}" type="parTrans" cxnId="{745FBF4B-AFF3-4D4D-96E0-ADE009B0B464}">
+      <dgm:prSet/>
+      <dgm:spPr/>
+      <dgm:t>
+        <a:bodyPr/>
+        <a:lstStyle/>
+        <a:p>
+          <a:endParaRPr lang="zh-CN" altLang="en-US"/>
+        </a:p>
+      </dgm:t>
+    </dgm:pt>
+    <dgm:pt modelId="{DC21A258-3915-AB41-B648-E42C1CEDA184}" type="sibTrans" cxnId="{745FBF4B-AFF3-4D4D-96E0-ADE009B0B464}">
+      <dgm:prSet/>
+      <dgm:spPr/>
+      <dgm:t>
+        <a:bodyPr/>
+        <a:lstStyle/>
+        <a:p>
+          <a:endParaRPr lang="zh-CN" altLang="en-US"/>
+        </a:p>
+      </dgm:t>
+    </dgm:pt>
+    <dgm:pt modelId="{8539B6E7-CA0B-F44D-9940-0C81B81ADBD4}">
+      <dgm:prSet custT="1"/>
+      <dgm:spPr/>
+      <dgm:t>
+        <a:bodyPr/>
+        <a:lstStyle/>
+        <a:p>
+          <a:r>
+            <a:rPr lang="en-US" altLang="zh-CN" sz="2000" dirty="0" smtClean="0"/>
+            <a:t>Total</a:t>
+          </a:r>
+          <a:r>
+            <a:rPr lang="zh-CN" altLang="en-US" sz="2000" dirty="0" smtClean="0"/>
+            <a:t> </a:t>
+          </a:r>
+          <a:r>
+            <a:rPr lang="en-US" altLang="zh-CN" sz="2000" dirty="0" smtClean="0"/>
+            <a:t>Entities:3270</a:t>
+          </a:r>
+          <a:endParaRPr lang="zh-CN" altLang="en-US" sz="2000" dirty="0"/>
+        </a:p>
+      </dgm:t>
+    </dgm:pt>
+    <dgm:pt modelId="{FB6FACEB-08BF-C642-8F05-4B5852F31F4D}" type="parTrans" cxnId="{D5C40009-0360-5D48-834B-B6AB738DC39C}">
+      <dgm:prSet/>
+      <dgm:spPr/>
+      <dgm:t>
+        <a:bodyPr/>
+        <a:lstStyle/>
+        <a:p>
+          <a:endParaRPr lang="zh-CN" altLang="en-US"/>
+        </a:p>
+      </dgm:t>
+    </dgm:pt>
+    <dgm:pt modelId="{A32B0E9E-5063-124D-BADC-D08A5279A489}" type="sibTrans" cxnId="{D5C40009-0360-5D48-834B-B6AB738DC39C}">
+      <dgm:prSet/>
+      <dgm:spPr/>
+      <dgm:t>
+        <a:bodyPr/>
+        <a:lstStyle/>
+        <a:p>
+          <a:endParaRPr lang="zh-CN" altLang="en-US"/>
+        </a:p>
+      </dgm:t>
+    </dgm:pt>
+    <dgm:pt modelId="{331291A1-27CF-C142-BF53-744F4DC49230}">
+      <dgm:prSet custT="1"/>
+      <dgm:spPr/>
+      <dgm:t>
+        <a:bodyPr/>
+        <a:lstStyle/>
+        <a:p>
+          <a:r>
+            <a:rPr lang="en-US" altLang="zh-CN" sz="2000" dirty="0" smtClean="0"/>
+            <a:t>Attributes:</a:t>
+          </a:r>
+          <a:r>
+            <a:rPr lang="zh-CN" altLang="en-US" sz="2000" dirty="0" smtClean="0"/>
+            <a:t> </a:t>
+          </a:r>
+          <a:r>
+            <a:rPr lang="en-US" altLang="zh-CN" sz="2000" dirty="0" smtClean="0"/>
+            <a:t>5</a:t>
+          </a:r>
+          <a:endParaRPr lang="zh-CN" altLang="en-US" sz="2000" dirty="0"/>
+        </a:p>
+      </dgm:t>
+    </dgm:pt>
+    <dgm:pt modelId="{A5029DFA-A1AA-0444-98F6-CBB457F7C50E}" type="parTrans" cxnId="{5BCDF67C-D9C6-744C-AD5E-3C71745E81A2}">
+      <dgm:prSet/>
+      <dgm:spPr/>
+      <dgm:t>
+        <a:bodyPr/>
+        <a:lstStyle/>
+        <a:p>
+          <a:endParaRPr lang="zh-CN" altLang="en-US"/>
+        </a:p>
+      </dgm:t>
+    </dgm:pt>
+    <dgm:pt modelId="{F9701DBC-9DA9-6646-8540-D8937F053024}" type="sibTrans" cxnId="{5BCDF67C-D9C6-744C-AD5E-3C71745E81A2}">
+      <dgm:prSet/>
+      <dgm:spPr/>
+      <dgm:t>
+        <a:bodyPr/>
+        <a:lstStyle/>
+        <a:p>
+          <a:endParaRPr lang="zh-CN" altLang="en-US"/>
+        </a:p>
+      </dgm:t>
+    </dgm:pt>
+    <dgm:pt modelId="{3565A2BE-530C-8F47-BCF7-2901D034C55D}">
+      <dgm:prSet custT="1"/>
+      <dgm:spPr/>
+      <dgm:t>
+        <a:bodyPr/>
+        <a:lstStyle/>
+        <a:p>
+          <a:r>
+            <a:rPr lang="en-US" altLang="zh-CN" sz="2000" dirty="0" smtClean="0"/>
+            <a:t>Format:</a:t>
+          </a:r>
+          <a:r>
+            <a:rPr lang="zh-CN" altLang="en-US" sz="2000" dirty="0" smtClean="0"/>
+            <a:t> </a:t>
+          </a:r>
+          <a:r>
+            <a:rPr lang="en-US" altLang="zh-CN" sz="2000" dirty="0" smtClean="0"/>
+            <a:t>CSV</a:t>
+          </a:r>
+          <a:endParaRPr lang="zh-CN" altLang="en-US" sz="2000" dirty="0"/>
+        </a:p>
+      </dgm:t>
+    </dgm:pt>
+    <dgm:pt modelId="{B54A87DA-EA08-7D42-8AC5-0D11CE588C0B}" type="parTrans" cxnId="{9CF3AB39-34C9-DB41-B1B5-666DF00A77ED}">
+      <dgm:prSet/>
+      <dgm:spPr/>
+      <dgm:t>
+        <a:bodyPr/>
+        <a:lstStyle/>
+        <a:p>
+          <a:endParaRPr lang="zh-CN" altLang="en-US"/>
+        </a:p>
+      </dgm:t>
+    </dgm:pt>
+    <dgm:pt modelId="{51EE8DD7-BAAB-FE4D-9BC2-5141571C7E1F}" type="sibTrans" cxnId="{9CF3AB39-34C9-DB41-B1B5-666DF00A77ED}">
+      <dgm:prSet/>
+      <dgm:spPr/>
+      <dgm:t>
+        <a:bodyPr/>
+        <a:lstStyle/>
+        <a:p>
+          <a:endParaRPr lang="zh-CN" altLang="en-US"/>
+        </a:p>
+      </dgm:t>
+    </dgm:pt>
     <dgm:pt modelId="{3E0878C4-DCD2-4845-BAA6-ED89DADE8017}" type="pres">
       <dgm:prSet presAssocID="{9BF03E6E-64C6-8B4F-9E9E-D4BEA1FFAC0B}" presName="diagram" presStyleCnt="0">
         <dgm:presLayoutVars>
@@ -2820,7 +3385,7 @@
       <dgm:spPr/>
     </dgm:pt>
     <dgm:pt modelId="{5284B238-0BF2-D641-A7D2-A9E49F12857B}" type="pres">
-      <dgm:prSet presAssocID="{B2836DBA-B4B2-C143-8196-D214E948A6AF}" presName="childRect" presStyleLbl="bgAcc1" presStyleIdx="0" presStyleCnt="4" custLinFactNeighborX="-27931" custLinFactNeighborY="-159">
+      <dgm:prSet presAssocID="{B2836DBA-B4B2-C143-8196-D214E948A6AF}" presName="childRect" presStyleLbl="bgAcc1" presStyleIdx="0" presStyleCnt="4" custScaleX="99364" custScaleY="83521" custLinFactNeighborX="-27893" custLinFactNeighborY="8133">
         <dgm:presLayoutVars>
           <dgm:bulletEnabled val="1"/>
         </dgm:presLayoutVars>
@@ -2863,23 +3428,51 @@
     </dgm:pt>
     <dgm:pt modelId="{80D6B0A0-2A5A-0243-A5DC-CFD555AD98B3}" type="pres">
       <dgm:prSet presAssocID="{B2836DBA-B4B2-C143-8196-D214E948A6AF}" presName="adorn" presStyleLbl="fgAccFollowNode1" presStyleIdx="0" presStyleCnt="4" custLinFactNeighborX="-79803" custLinFactNeighborY="-339"/>
-      <dgm:spPr/>
+      <dgm:spPr>
+        <a:blipFill>
+          <a:blip xmlns:r="http://schemas.openxmlformats.org/officeDocument/2006/relationships" r:embed="rId1">
+            <a:extLst>
+              <a:ext uri="{28A0092B-C50C-407E-A947-70E740481C1C}">
+                <a14:useLocalDpi xmlns:a14="http://schemas.microsoft.com/office/drawing/2010/main" val="0"/>
+              </a:ext>
+            </a:extLst>
+          </a:blip>
+          <a:srcRect/>
+          <a:stretch>
+            <a:fillRect l="-3000" r="-3000"/>
+          </a:stretch>
+        </a:blipFill>
+      </dgm:spPr>
     </dgm:pt>
     <dgm:pt modelId="{8DA26B31-6C11-FD43-B775-8AF5A85CE7EA}" type="pres">
       <dgm:prSet presAssocID="{7C6C7EFB-CDD8-E64A-BA8E-1EA90B894FD9}" presName="sibTrans" presStyleLbl="sibTrans2D1" presStyleIdx="0" presStyleCnt="0"/>
       <dgm:spPr/>
+      <dgm:t>
+        <a:bodyPr/>
+        <a:lstStyle/>
+        <a:p>
+          <a:endParaRPr lang="zh-CN" altLang="en-US"/>
+        </a:p>
+      </dgm:t>
     </dgm:pt>
     <dgm:pt modelId="{B2F82149-8A9A-DD4A-A1C2-5DA8300667EB}" type="pres">
       <dgm:prSet presAssocID="{700DD99B-57A8-2D48-B651-AC16A2762772}" presName="compNode" presStyleCnt="0"/>
       <dgm:spPr/>
     </dgm:pt>
     <dgm:pt modelId="{0ED6854E-2851-3D4D-A416-2E5D80F3A3A9}" type="pres">
-      <dgm:prSet presAssocID="{700DD99B-57A8-2D48-B651-AC16A2762772}" presName="childRect" presStyleLbl="bgAcc1" presStyleIdx="1" presStyleCnt="4" custLinFactNeighborX="37357" custLinFactNeighborY="-159">
+      <dgm:prSet presAssocID="{700DD99B-57A8-2D48-B651-AC16A2762772}" presName="childRect" presStyleLbl="bgAcc1" presStyleIdx="1" presStyleCnt="4" custScaleX="101323" custScaleY="88759" custLinFactNeighborX="38085" custLinFactNeighborY="7404">
         <dgm:presLayoutVars>
           <dgm:bulletEnabled val="1"/>
         </dgm:presLayoutVars>
       </dgm:prSet>
       <dgm:spPr/>
+      <dgm:t>
+        <a:bodyPr/>
+        <a:lstStyle/>
+        <a:p>
+          <a:endParaRPr lang="zh-CN" altLang="en-US"/>
+        </a:p>
+      </dgm:t>
     </dgm:pt>
     <dgm:pt modelId="{908C04DD-7660-444E-A276-B077933EC3A5}" type="pres">
       <dgm:prSet presAssocID="{700DD99B-57A8-2D48-B651-AC16A2762772}" presName="parentText" presStyleLbl="node1" presStyleIdx="0" presStyleCnt="0">
@@ -2898,7 +3491,7 @@
       </dgm:t>
     </dgm:pt>
     <dgm:pt modelId="{EB54E51C-1DDD-FA4D-B3AE-055C72DE48DD}" type="pres">
-      <dgm:prSet presAssocID="{700DD99B-57A8-2D48-B651-AC16A2762772}" presName="parentRect" presStyleLbl="alignNode1" presStyleIdx="1" presStyleCnt="4" custLinFactNeighborX="37357" custLinFactNeighborY="-369"/>
+      <dgm:prSet presAssocID="{700DD99B-57A8-2D48-B651-AC16A2762772}" presName="parentRect" presStyleLbl="alignNode1" presStyleIdx="1" presStyleCnt="4" custScaleX="104790" custLinFactNeighborX="37357" custLinFactNeighborY="-369"/>
       <dgm:spPr/>
       <dgm:t>
         <a:bodyPr/>
@@ -2910,23 +3503,51 @@
     </dgm:pt>
     <dgm:pt modelId="{541DC053-C33A-C547-BFBB-D30088FCB86B}" type="pres">
       <dgm:prSet presAssocID="{700DD99B-57A8-2D48-B651-AC16A2762772}" presName="adorn" presStyleLbl="fgAccFollowNode1" presStyleIdx="1" presStyleCnt="4" custLinFactX="6733" custLinFactNeighborX="100000" custLinFactNeighborY="-339"/>
-      <dgm:spPr/>
+      <dgm:spPr>
+        <a:blipFill>
+          <a:blip xmlns:r="http://schemas.openxmlformats.org/officeDocument/2006/relationships" r:embed="rId2">
+            <a:extLst>
+              <a:ext uri="{28A0092B-C50C-407E-A947-70E740481C1C}">
+                <a14:useLocalDpi xmlns:a14="http://schemas.microsoft.com/office/drawing/2010/main" val="0"/>
+              </a:ext>
+            </a:extLst>
+          </a:blip>
+          <a:srcRect/>
+          <a:stretch>
+            <a:fillRect l="-5000" r="-5000"/>
+          </a:stretch>
+        </a:blipFill>
+      </dgm:spPr>
     </dgm:pt>
     <dgm:pt modelId="{F9DEF9AE-8EFA-BB43-918C-D15AAFD952CC}" type="pres">
       <dgm:prSet presAssocID="{06789958-775B-2E41-921A-2E6D983510AF}" presName="sibTrans" presStyleLbl="sibTrans2D1" presStyleIdx="0" presStyleCnt="0"/>
       <dgm:spPr/>
+      <dgm:t>
+        <a:bodyPr/>
+        <a:lstStyle/>
+        <a:p>
+          <a:endParaRPr lang="zh-CN" altLang="en-US"/>
+        </a:p>
+      </dgm:t>
     </dgm:pt>
     <dgm:pt modelId="{5FD41D91-85DB-364C-82CE-DF2D6C19BA0E}" type="pres">
       <dgm:prSet presAssocID="{CE5B3B65-CAEE-0746-88DA-4AD58EEF1592}" presName="compNode" presStyleCnt="0"/>
       <dgm:spPr/>
     </dgm:pt>
     <dgm:pt modelId="{98F3CB39-65C1-9E41-85FE-6CBC2142DF54}" type="pres">
-      <dgm:prSet presAssocID="{CE5B3B65-CAEE-0746-88DA-4AD58EEF1592}" presName="childRect" presStyleLbl="bgAcc1" presStyleIdx="2" presStyleCnt="4" custLinFactNeighborX="-27931" custLinFactNeighborY="-3337">
+      <dgm:prSet presAssocID="{CE5B3B65-CAEE-0746-88DA-4AD58EEF1592}" presName="childRect" presStyleLbl="bgAcc1" presStyleIdx="2" presStyleCnt="4" custScaleX="101956" custLinFactNeighborX="-27931" custLinFactNeighborY="-3337">
         <dgm:presLayoutVars>
           <dgm:bulletEnabled val="1"/>
         </dgm:presLayoutVars>
       </dgm:prSet>
       <dgm:spPr/>
+      <dgm:t>
+        <a:bodyPr/>
+        <a:lstStyle/>
+        <a:p>
+          <a:endParaRPr lang="zh-CN" altLang="en-US"/>
+        </a:p>
+      </dgm:t>
     </dgm:pt>
     <dgm:pt modelId="{815BF86D-C4E1-F140-BB0A-D5F87625C2DC}" type="pres">
       <dgm:prSet presAssocID="{CE5B3B65-CAEE-0746-88DA-4AD58EEF1592}" presName="parentText" presStyleLbl="node1" presStyleIdx="0" presStyleCnt="0">
@@ -2945,7 +3566,7 @@
       </dgm:t>
     </dgm:pt>
     <dgm:pt modelId="{408A8867-1D3D-BC44-9737-1F047D63CD05}" type="pres">
-      <dgm:prSet presAssocID="{CE5B3B65-CAEE-0746-88DA-4AD58EEF1592}" presName="parentRect" presStyleLbl="alignNode1" presStyleIdx="2" presStyleCnt="4" custLinFactNeighborX="-27931" custLinFactNeighborY="-7760"/>
+      <dgm:prSet presAssocID="{CE5B3B65-CAEE-0746-88DA-4AD58EEF1592}" presName="parentRect" presStyleLbl="alignNode1" presStyleIdx="2" presStyleCnt="4" custScaleX="102043" custLinFactNeighborX="-27931" custLinFactNeighborY="-7760"/>
       <dgm:spPr/>
       <dgm:t>
         <a:bodyPr/>
@@ -2957,23 +3578,51 @@
     </dgm:pt>
     <dgm:pt modelId="{762D4D6F-2660-9646-9CCD-39B5B77C1962}" type="pres">
       <dgm:prSet presAssocID="{CE5B3B65-CAEE-0746-88DA-4AD58EEF1592}" presName="adorn" presStyleLbl="fgAccFollowNode1" presStyleIdx="2" presStyleCnt="4" custLinFactNeighborX="-79803" custLinFactNeighborY="-7116"/>
-      <dgm:spPr/>
+      <dgm:spPr>
+        <a:blipFill>
+          <a:blip xmlns:r="http://schemas.openxmlformats.org/officeDocument/2006/relationships" r:embed="rId3">
+            <a:extLst>
+              <a:ext uri="{28A0092B-C50C-407E-A947-70E740481C1C}">
+                <a14:useLocalDpi xmlns:a14="http://schemas.microsoft.com/office/drawing/2010/main" val="0"/>
+              </a:ext>
+            </a:extLst>
+          </a:blip>
+          <a:srcRect/>
+          <a:stretch>
+            <a:fillRect l="-31000" r="-31000"/>
+          </a:stretch>
+        </a:blipFill>
+      </dgm:spPr>
     </dgm:pt>
     <dgm:pt modelId="{1EF36ADF-5CBA-C242-AFF1-66996428732D}" type="pres">
       <dgm:prSet presAssocID="{AAC12561-A9A0-1D4F-A805-F63102D51685}" presName="sibTrans" presStyleLbl="sibTrans2D1" presStyleIdx="0" presStyleCnt="0"/>
       <dgm:spPr/>
+      <dgm:t>
+        <a:bodyPr/>
+        <a:lstStyle/>
+        <a:p>
+          <a:endParaRPr lang="zh-CN" altLang="en-US"/>
+        </a:p>
+      </dgm:t>
     </dgm:pt>
     <dgm:pt modelId="{36D4C189-D2CB-D241-B52D-C1B0A2DAE536}" type="pres">
       <dgm:prSet presAssocID="{E804492E-54B4-B94D-81E7-FF90FB0A1C03}" presName="compNode" presStyleCnt="0"/>
       <dgm:spPr/>
     </dgm:pt>
     <dgm:pt modelId="{EE95F1D5-B3FE-E048-AB08-8C99A33101E6}" type="pres">
-      <dgm:prSet presAssocID="{E804492E-54B4-B94D-81E7-FF90FB0A1C03}" presName="childRect" presStyleLbl="bgAcc1" presStyleIdx="3" presStyleCnt="4" custLinFactNeighborX="40445" custLinFactNeighborY="-3337">
+      <dgm:prSet presAssocID="{E804492E-54B4-B94D-81E7-FF90FB0A1C03}" presName="childRect" presStyleLbl="bgAcc1" presStyleIdx="3" presStyleCnt="4" custLinFactNeighborX="39934" custLinFactNeighborY="-3337">
         <dgm:presLayoutVars>
           <dgm:bulletEnabled val="1"/>
         </dgm:presLayoutVars>
       </dgm:prSet>
       <dgm:spPr/>
+      <dgm:t>
+        <a:bodyPr/>
+        <a:lstStyle/>
+        <a:p>
+          <a:endParaRPr lang="zh-CN" altLang="en-US"/>
+        </a:p>
+      </dgm:t>
     </dgm:pt>
     <dgm:pt modelId="{D1CBEEA0-C057-2A40-94CE-4766C9BD2971}" type="pres">
       <dgm:prSet presAssocID="{E804492E-54B4-B94D-81E7-FF90FB0A1C03}" presName="parentText" presStyleLbl="node1" presStyleIdx="0" presStyleCnt="0">
@@ -3004,26 +3653,64 @@
     </dgm:pt>
     <dgm:pt modelId="{3E78E825-5649-FD4D-9607-32828454F35C}" type="pres">
       <dgm:prSet presAssocID="{E804492E-54B4-B94D-81E7-FF90FB0A1C03}" presName="adorn" presStyleLbl="fgAccFollowNode1" presStyleIdx="3" presStyleCnt="4" custLinFactX="15557" custLinFactNeighborX="100000" custLinFactNeighborY="-7116"/>
-      <dgm:spPr/>
+      <dgm:spPr>
+        <a:blipFill>
+          <a:blip xmlns:r="http://schemas.openxmlformats.org/officeDocument/2006/relationships" r:embed="rId3">
+            <a:extLst>
+              <a:ext uri="{28A0092B-C50C-407E-A947-70E740481C1C}">
+                <a14:useLocalDpi xmlns:a14="http://schemas.microsoft.com/office/drawing/2010/main" val="0"/>
+              </a:ext>
+            </a:extLst>
+          </a:blip>
+          <a:srcRect/>
+          <a:stretch>
+            <a:fillRect l="-31000" r="-31000"/>
+          </a:stretch>
+        </a:blipFill>
+      </dgm:spPr>
     </dgm:pt>
   </dgm:ptLst>
   <dgm:cxnLst>
+    <dgm:cxn modelId="{CA2C9CBE-FABC-FF43-8BD3-5DA142A5956F}" type="presOf" srcId="{6B35F087-0D11-8D4F-A1CC-EB05298A1604}" destId="{5284B238-0BF2-D641-A7D2-A9E49F12857B}" srcOrd="0" destOrd="1" presId="urn:microsoft.com/office/officeart/2005/8/layout/bList2"/>
+    <dgm:cxn modelId="{6544FDAC-71B2-7F45-8FE6-B0CDF4CC457A}" srcId="{CE5B3B65-CAEE-0746-88DA-4AD58EEF1592}" destId="{9634F0BB-8682-024E-BA12-453B7DAD2004}" srcOrd="0" destOrd="0" parTransId="{E06E2883-E28E-264B-85EE-A43678AEE049}" sibTransId="{3BA7F993-13BB-FC47-A728-CF842CE625B2}"/>
+    <dgm:cxn modelId="{27EA6434-770F-CC4C-B41B-394FFA317E6E}" type="presOf" srcId="{8539B6E7-CA0B-F44D-9940-0C81B81ADBD4}" destId="{EE95F1D5-B3FE-E048-AB08-8C99A33101E6}" srcOrd="0" destOrd="0" presId="urn:microsoft.com/office/officeart/2005/8/layout/bList2"/>
+    <dgm:cxn modelId="{DFF999C0-4E15-D147-AFEB-2F4C11AB11AF}" type="presOf" srcId="{0208D5CB-B2A1-4747-BE1E-CEB7CAD13B08}" destId="{0ED6854E-2851-3D4D-A416-2E5D80F3A3A9}" srcOrd="0" destOrd="2" presId="urn:microsoft.com/office/officeart/2005/8/layout/bList2"/>
+    <dgm:cxn modelId="{9CF3AB39-34C9-DB41-B1B5-666DF00A77ED}" srcId="{E804492E-54B4-B94D-81E7-FF90FB0A1C03}" destId="{3565A2BE-530C-8F47-BCF7-2901D034C55D}" srcOrd="2" destOrd="0" parTransId="{B54A87DA-EA08-7D42-8AC5-0D11CE588C0B}" sibTransId="{51EE8DD7-BAAB-FE4D-9BC2-5141571C7E1F}"/>
+    <dgm:cxn modelId="{08A5EFC9-20CA-8D48-9BBC-C7CC0BB6D176}" type="presOf" srcId="{06789958-775B-2E41-921A-2E6D983510AF}" destId="{F9DEF9AE-8EFA-BB43-918C-D15AAFD952CC}" srcOrd="0" destOrd="0" presId="urn:microsoft.com/office/officeart/2005/8/layout/bList2"/>
+    <dgm:cxn modelId="{2DD69FD5-68D1-3F4D-9087-6BAFEF4B0702}" srcId="{9BF03E6E-64C6-8B4F-9E9E-D4BEA1FFAC0B}" destId="{700DD99B-57A8-2D48-B651-AC16A2762772}" srcOrd="1" destOrd="0" parTransId="{EFA89E8C-DDCB-1F48-AFF7-62AE5E987891}" sibTransId="{06789958-775B-2E41-921A-2E6D983510AF}"/>
+    <dgm:cxn modelId="{0A54A213-6080-4344-B77A-52A424B0E268}" srcId="{B2836DBA-B4B2-C143-8196-D214E948A6AF}" destId="{C35CFB7B-CDF9-1545-ACA1-ED73E8E2CD40}" srcOrd="2" destOrd="0" parTransId="{1C4895B7-9DBB-8E4D-9EB8-C7E737816213}" sibTransId="{571201BD-6661-5E4E-9738-DCBCDF35D76D}"/>
+    <dgm:cxn modelId="{A6B6F3BB-EC30-084E-87DC-CC9D9803EF6C}" type="presOf" srcId="{ACD1F96E-0E0F-CF48-BC5C-A07EA5657BC5}" destId="{0ED6854E-2851-3D4D-A416-2E5D80F3A3A9}" srcOrd="0" destOrd="1" presId="urn:microsoft.com/office/officeart/2005/8/layout/bList2"/>
+    <dgm:cxn modelId="{BFF2A1EF-254D-9646-937A-F28CF4D147C8}" type="presOf" srcId="{700DD99B-57A8-2D48-B651-AC16A2762772}" destId="{EB54E51C-1DDD-FA4D-B3AE-055C72DE48DD}" srcOrd="1" destOrd="0" presId="urn:microsoft.com/office/officeart/2005/8/layout/bList2"/>
+    <dgm:cxn modelId="{048515FA-79E2-2D43-BC0C-A7D1D27A5B8F}" type="presOf" srcId="{9634F0BB-8682-024E-BA12-453B7DAD2004}" destId="{98F3CB39-65C1-9E41-85FE-6CBC2142DF54}" srcOrd="0" destOrd="0" presId="urn:microsoft.com/office/officeart/2005/8/layout/bList2"/>
+    <dgm:cxn modelId="{989AC1B7-D1CF-F946-9317-6F247AA915BB}" type="presOf" srcId="{CE5B3B65-CAEE-0746-88DA-4AD58EEF1592}" destId="{408A8867-1D3D-BC44-9737-1F047D63CD05}" srcOrd="1" destOrd="0" presId="urn:microsoft.com/office/officeart/2005/8/layout/bList2"/>
+    <dgm:cxn modelId="{919D9113-74E8-4B4E-8FC9-F4D7FC8B045F}" type="presOf" srcId="{62434AD7-931E-9943-A327-FEA77E1EB60B}" destId="{0ED6854E-2851-3D4D-A416-2E5D80F3A3A9}" srcOrd="0" destOrd="0" presId="urn:microsoft.com/office/officeart/2005/8/layout/bList2"/>
+    <dgm:cxn modelId="{27184E4C-42CF-BF44-93F4-2085FE6F21DE}" type="presOf" srcId="{9BF03E6E-64C6-8B4F-9E9E-D4BEA1FFAC0B}" destId="{3E0878C4-DCD2-4845-BAA6-ED89DADE8017}" srcOrd="0" destOrd="0" presId="urn:microsoft.com/office/officeart/2005/8/layout/bList2"/>
+    <dgm:cxn modelId="{85E076BA-B697-ED47-AAD4-CFCC185CF1C6}" srcId="{700DD99B-57A8-2D48-B651-AC16A2762772}" destId="{ACD1F96E-0E0F-CF48-BC5C-A07EA5657BC5}" srcOrd="1" destOrd="0" parTransId="{F60AAF8A-5932-FD4B-B6B2-48A7A2B58C21}" sibTransId="{C7F9F632-DDE4-7F4A-8D6D-992A0D0A9EAD}"/>
+    <dgm:cxn modelId="{D81518F2-0A62-BA48-A2E2-B0E38E9C64D2}" type="presOf" srcId="{E804492E-54B4-B94D-81E7-FF90FB0A1C03}" destId="{D1CBEEA0-C057-2A40-94CE-4766C9BD2971}" srcOrd="0" destOrd="0" presId="urn:microsoft.com/office/officeart/2005/8/layout/bList2"/>
+    <dgm:cxn modelId="{0289AB18-CB6C-FA44-BC63-F7B288AAD1FF}" type="presOf" srcId="{7C6C7EFB-CDD8-E64A-BA8E-1EA90B894FD9}" destId="{8DA26B31-6C11-FD43-B775-8AF5A85CE7EA}" srcOrd="0" destOrd="0" presId="urn:microsoft.com/office/officeart/2005/8/layout/bList2"/>
+    <dgm:cxn modelId="{C0A7195C-8771-6346-B359-D055FB5F6065}" type="presOf" srcId="{700DD99B-57A8-2D48-B651-AC16A2762772}" destId="{908C04DD-7660-444E-A276-B077933EC3A5}" srcOrd="0" destOrd="0" presId="urn:microsoft.com/office/officeart/2005/8/layout/bList2"/>
+    <dgm:cxn modelId="{1537723B-A3D5-5147-9493-AD9FDB9FC1FE}" type="presOf" srcId="{B2836DBA-B4B2-C143-8196-D214E948A6AF}" destId="{38CCB0B7-911E-3943-B8A1-DEB0B80384CC}" srcOrd="1" destOrd="0" presId="urn:microsoft.com/office/officeart/2005/8/layout/bList2"/>
+    <dgm:cxn modelId="{3D082F33-1EAB-4E44-B60F-AF393CB08ABD}" srcId="{9BF03E6E-64C6-8B4F-9E9E-D4BEA1FFAC0B}" destId="{B2836DBA-B4B2-C143-8196-D214E948A6AF}" srcOrd="0" destOrd="0" parTransId="{6E5E20E6-4D82-FA48-906B-DC031D8D36D5}" sibTransId="{7C6C7EFB-CDD8-E64A-BA8E-1EA90B894FD9}"/>
+    <dgm:cxn modelId="{EE81E03B-7849-1D4E-B39F-4A5C2885AA15}" srcId="{9BF03E6E-64C6-8B4F-9E9E-D4BEA1FFAC0B}" destId="{CE5B3B65-CAEE-0746-88DA-4AD58EEF1592}" srcOrd="2" destOrd="0" parTransId="{AB19DB0A-3C09-5748-9899-AF82412C6425}" sibTransId="{AAC12561-A9A0-1D4F-A805-F63102D51685}"/>
+    <dgm:cxn modelId="{D5C40009-0360-5D48-834B-B6AB738DC39C}" srcId="{E804492E-54B4-B94D-81E7-FF90FB0A1C03}" destId="{8539B6E7-CA0B-F44D-9940-0C81B81ADBD4}" srcOrd="0" destOrd="0" parTransId="{FB6FACEB-08BF-C642-8F05-4B5852F31F4D}" sibTransId="{A32B0E9E-5063-124D-BADC-D08A5279A489}"/>
+    <dgm:cxn modelId="{BC336262-45E3-6E44-9069-C5463FCD069C}" type="presOf" srcId="{3565A2BE-530C-8F47-BCF7-2901D034C55D}" destId="{EE95F1D5-B3FE-E048-AB08-8C99A33101E6}" srcOrd="0" destOrd="2" presId="urn:microsoft.com/office/officeart/2005/8/layout/bList2"/>
+    <dgm:cxn modelId="{745FBF4B-AFF3-4D4D-96E0-ADE009B0B464}" srcId="{CE5B3B65-CAEE-0746-88DA-4AD58EEF1592}" destId="{C7F35A38-4E28-FE45-8E8A-49D7F6B0569A}" srcOrd="2" destOrd="0" parTransId="{FA50C152-12BC-0C4E-8717-DC80C49B84DC}" sibTransId="{DC21A258-3915-AB41-B648-E42C1CEDA184}"/>
+    <dgm:cxn modelId="{B63AB9A6-D4AD-6B45-A14B-4F7C029CD269}" srcId="{CE5B3B65-CAEE-0746-88DA-4AD58EEF1592}" destId="{F3242A28-1954-284A-8BF2-86295FD1509E}" srcOrd="1" destOrd="0" parTransId="{24C3CDB5-F071-724A-82D5-1EA168E46499}" sibTransId="{7C16E0DD-238C-C74C-9E75-B1B37313B9FF}"/>
+    <dgm:cxn modelId="{56B8A6D2-EEF3-494B-9645-4249DB28EF1E}" type="presOf" srcId="{CE5B3B65-CAEE-0746-88DA-4AD58EEF1592}" destId="{815BF86D-C4E1-F140-BB0A-D5F87625C2DC}" srcOrd="0" destOrd="0" presId="urn:microsoft.com/office/officeart/2005/8/layout/bList2"/>
+    <dgm:cxn modelId="{149232C4-09C8-B247-9C9B-4A6AB7DCF721}" type="presOf" srcId="{331291A1-27CF-C142-BF53-744F4DC49230}" destId="{EE95F1D5-B3FE-E048-AB08-8C99A33101E6}" srcOrd="0" destOrd="1" presId="urn:microsoft.com/office/officeart/2005/8/layout/bList2"/>
+    <dgm:cxn modelId="{F28559EF-781A-A34D-A5CE-F11A4C220437}" type="presOf" srcId="{AAC12561-A9A0-1D4F-A805-F63102D51685}" destId="{1EF36ADF-5CBA-C242-AFF1-66996428732D}" srcOrd="0" destOrd="0" presId="urn:microsoft.com/office/officeart/2005/8/layout/bList2"/>
+    <dgm:cxn modelId="{78778239-2428-224D-8636-F87150DA7EE8}" type="presOf" srcId="{E804492E-54B4-B94D-81E7-FF90FB0A1C03}" destId="{9A04D2A4-939B-E54F-8E2A-96AAD4AF6D2E}" srcOrd="1" destOrd="0" presId="urn:microsoft.com/office/officeart/2005/8/layout/bList2"/>
+    <dgm:cxn modelId="{4D71E016-7B6D-4944-AD7C-CF972889F1EB}" type="presOf" srcId="{C7F35A38-4E28-FE45-8E8A-49D7F6B0569A}" destId="{98F3CB39-65C1-9E41-85FE-6CBC2142DF54}" srcOrd="0" destOrd="2" presId="urn:microsoft.com/office/officeart/2005/8/layout/bList2"/>
+    <dgm:cxn modelId="{8996211E-89E5-1347-84DD-A687407F67FF}" type="presOf" srcId="{B2836DBA-B4B2-C143-8196-D214E948A6AF}" destId="{D80C159F-915F-AE4C-A06F-0B85E0064CA2}" srcOrd="0" destOrd="0" presId="urn:microsoft.com/office/officeart/2005/8/layout/bList2"/>
+    <dgm:cxn modelId="{1E970271-6B01-EC4B-95DB-EA9F207C3ED5}" type="presOf" srcId="{C35CFB7B-CDF9-1545-ACA1-ED73E8E2CD40}" destId="{5284B238-0BF2-D641-A7D2-A9E49F12857B}" srcOrd="0" destOrd="2" presId="urn:microsoft.com/office/officeart/2005/8/layout/bList2"/>
+    <dgm:cxn modelId="{855F991C-BA27-6B4E-BAB0-9232797201F5}" type="presOf" srcId="{F3242A28-1954-284A-8BF2-86295FD1509E}" destId="{98F3CB39-65C1-9E41-85FE-6CBC2142DF54}" srcOrd="0" destOrd="1" presId="urn:microsoft.com/office/officeart/2005/8/layout/bList2"/>
+    <dgm:cxn modelId="{5BCDF67C-D9C6-744C-AD5E-3C71745E81A2}" srcId="{E804492E-54B4-B94D-81E7-FF90FB0A1C03}" destId="{331291A1-27CF-C142-BF53-744F4DC49230}" srcOrd="1" destOrd="0" parTransId="{A5029DFA-A1AA-0444-98F6-CBB457F7C50E}" sibTransId="{F9701DBC-9DA9-6646-8540-D8937F053024}"/>
+    <dgm:cxn modelId="{170168CF-771B-AC4C-A3E4-7511A505CA7A}" srcId="{700DD99B-57A8-2D48-B651-AC16A2762772}" destId="{62434AD7-931E-9943-A327-FEA77E1EB60B}" srcOrd="0" destOrd="0" parTransId="{961762F4-9BD3-2946-9516-C306B8362A0F}" sibTransId="{88BD48C6-7E2F-1342-BFEA-AB14E6B879A7}"/>
+    <dgm:cxn modelId="{91A49E35-E25E-1943-9D6F-5520C7D6AC60}" srcId="{B2836DBA-B4B2-C143-8196-D214E948A6AF}" destId="{6B35F087-0D11-8D4F-A1CC-EB05298A1604}" srcOrd="1" destOrd="0" parTransId="{751A2CF6-F91A-6148-9517-791CAC8608AA}" sibTransId="{DEB13010-6AEE-C34D-8A61-08B6103B978A}"/>
+    <dgm:cxn modelId="{4E5CE5B3-66C4-E041-8C0F-4BBFE7A7DEA2}" type="presOf" srcId="{4593C0E9-7033-A14B-BED3-B2022713C4F2}" destId="{5284B238-0BF2-D641-A7D2-A9E49F12857B}" srcOrd="0" destOrd="0" presId="urn:microsoft.com/office/officeart/2005/8/layout/bList2"/>
+    <dgm:cxn modelId="{8E7C722A-0481-084F-BA95-F1E9B5608528}" srcId="{700DD99B-57A8-2D48-B651-AC16A2762772}" destId="{0208D5CB-B2A1-4747-BE1E-CEB7CAD13B08}" srcOrd="2" destOrd="0" parTransId="{338BCAC9-A840-6640-BB8D-1AB1B7B5675E}" sibTransId="{1C153960-3D78-DB4E-A9E6-0C23E859E449}"/>
     <dgm:cxn modelId="{47B8BB3D-BAF8-9046-9806-D398FA964D15}" srcId="{9BF03E6E-64C6-8B4F-9E9E-D4BEA1FFAC0B}" destId="{E804492E-54B4-B94D-81E7-FF90FB0A1C03}" srcOrd="3" destOrd="0" parTransId="{18C6E09C-59AF-E848-8630-7A2292B45D97}" sibTransId="{29C62CEC-8900-BB4E-B1D7-286180F440A0}"/>
-    <dgm:cxn modelId="{F28559EF-781A-A34D-A5CE-F11A4C220437}" type="presOf" srcId="{AAC12561-A9A0-1D4F-A805-F63102D51685}" destId="{1EF36ADF-5CBA-C242-AFF1-66996428732D}" srcOrd="0" destOrd="0" presId="urn:microsoft.com/office/officeart/2005/8/layout/bList2"/>
-    <dgm:cxn modelId="{56B8A6D2-EEF3-494B-9645-4249DB28EF1E}" type="presOf" srcId="{CE5B3B65-CAEE-0746-88DA-4AD58EEF1592}" destId="{815BF86D-C4E1-F140-BB0A-D5F87625C2DC}" srcOrd="0" destOrd="0" presId="urn:microsoft.com/office/officeart/2005/8/layout/bList2"/>
-    <dgm:cxn modelId="{2DD69FD5-68D1-3F4D-9087-6BAFEF4B0702}" srcId="{9BF03E6E-64C6-8B4F-9E9E-D4BEA1FFAC0B}" destId="{700DD99B-57A8-2D48-B651-AC16A2762772}" srcOrd="1" destOrd="0" parTransId="{EFA89E8C-DDCB-1F48-AFF7-62AE5E987891}" sibTransId="{06789958-775B-2E41-921A-2E6D983510AF}"/>
-    <dgm:cxn modelId="{3D082F33-1EAB-4E44-B60F-AF393CB08ABD}" srcId="{9BF03E6E-64C6-8B4F-9E9E-D4BEA1FFAC0B}" destId="{B2836DBA-B4B2-C143-8196-D214E948A6AF}" srcOrd="0" destOrd="0" parTransId="{6E5E20E6-4D82-FA48-906B-DC031D8D36D5}" sibTransId="{7C6C7EFB-CDD8-E64A-BA8E-1EA90B894FD9}"/>
-    <dgm:cxn modelId="{0289AB18-CB6C-FA44-BC63-F7B288AAD1FF}" type="presOf" srcId="{7C6C7EFB-CDD8-E64A-BA8E-1EA90B894FD9}" destId="{8DA26B31-6C11-FD43-B775-8AF5A85CE7EA}" srcOrd="0" destOrd="0" presId="urn:microsoft.com/office/officeart/2005/8/layout/bList2"/>
-    <dgm:cxn modelId="{78778239-2428-224D-8636-F87150DA7EE8}" type="presOf" srcId="{E804492E-54B4-B94D-81E7-FF90FB0A1C03}" destId="{9A04D2A4-939B-E54F-8E2A-96AAD4AF6D2E}" srcOrd="1" destOrd="0" presId="urn:microsoft.com/office/officeart/2005/8/layout/bList2"/>
-    <dgm:cxn modelId="{989AC1B7-D1CF-F946-9317-6F247AA915BB}" type="presOf" srcId="{CE5B3B65-CAEE-0746-88DA-4AD58EEF1592}" destId="{408A8867-1D3D-BC44-9737-1F047D63CD05}" srcOrd="1" destOrd="0" presId="urn:microsoft.com/office/officeart/2005/8/layout/bList2"/>
-    <dgm:cxn modelId="{08A5EFC9-20CA-8D48-9BBC-C7CC0BB6D176}" type="presOf" srcId="{06789958-775B-2E41-921A-2E6D983510AF}" destId="{F9DEF9AE-8EFA-BB43-918C-D15AAFD952CC}" srcOrd="0" destOrd="0" presId="urn:microsoft.com/office/officeart/2005/8/layout/bList2"/>
-    <dgm:cxn modelId="{27184E4C-42CF-BF44-93F4-2085FE6F21DE}" type="presOf" srcId="{9BF03E6E-64C6-8B4F-9E9E-D4BEA1FFAC0B}" destId="{3E0878C4-DCD2-4845-BAA6-ED89DADE8017}" srcOrd="0" destOrd="0" presId="urn:microsoft.com/office/officeart/2005/8/layout/bList2"/>
-    <dgm:cxn modelId="{D81518F2-0A62-BA48-A2E2-B0E38E9C64D2}" type="presOf" srcId="{E804492E-54B4-B94D-81E7-FF90FB0A1C03}" destId="{D1CBEEA0-C057-2A40-94CE-4766C9BD2971}" srcOrd="0" destOrd="0" presId="urn:microsoft.com/office/officeart/2005/8/layout/bList2"/>
-    <dgm:cxn modelId="{EE81E03B-7849-1D4E-B39F-4A5C2885AA15}" srcId="{9BF03E6E-64C6-8B4F-9E9E-D4BEA1FFAC0B}" destId="{CE5B3B65-CAEE-0746-88DA-4AD58EEF1592}" srcOrd="2" destOrd="0" parTransId="{AB19DB0A-3C09-5748-9899-AF82412C6425}" sibTransId="{AAC12561-A9A0-1D4F-A805-F63102D51685}"/>
-    <dgm:cxn modelId="{8996211E-89E5-1347-84DD-A687407F67FF}" type="presOf" srcId="{B2836DBA-B4B2-C143-8196-D214E948A6AF}" destId="{D80C159F-915F-AE4C-A06F-0B85E0064CA2}" srcOrd="0" destOrd="0" presId="urn:microsoft.com/office/officeart/2005/8/layout/bList2"/>
-    <dgm:cxn modelId="{C0A7195C-8771-6346-B359-D055FB5F6065}" type="presOf" srcId="{700DD99B-57A8-2D48-B651-AC16A2762772}" destId="{908C04DD-7660-444E-A276-B077933EC3A5}" srcOrd="0" destOrd="0" presId="urn:microsoft.com/office/officeart/2005/8/layout/bList2"/>
-    <dgm:cxn modelId="{BFF2A1EF-254D-9646-937A-F28CF4D147C8}" type="presOf" srcId="{700DD99B-57A8-2D48-B651-AC16A2762772}" destId="{EB54E51C-1DDD-FA4D-B3AE-055C72DE48DD}" srcOrd="1" destOrd="0" presId="urn:microsoft.com/office/officeart/2005/8/layout/bList2"/>
-    <dgm:cxn modelId="{1537723B-A3D5-5147-9493-AD9FDB9FC1FE}" type="presOf" srcId="{B2836DBA-B4B2-C143-8196-D214E948A6AF}" destId="{38CCB0B7-911E-3943-B8A1-DEB0B80384CC}" srcOrd="1" destOrd="0" presId="urn:microsoft.com/office/officeart/2005/8/layout/bList2"/>
+    <dgm:cxn modelId="{C7CC2E3E-81CD-DD48-BCFA-FA179778C0C7}" srcId="{B2836DBA-B4B2-C143-8196-D214E948A6AF}" destId="{4593C0E9-7033-A14B-BED3-B2022713C4F2}" srcOrd="0" destOrd="0" parTransId="{95E76FA1-616B-C140-9216-BFBF6897C57A}" sibTransId="{B298C3AE-6F01-5D48-90B2-3496B922297B}"/>
     <dgm:cxn modelId="{FA99CE36-1388-214F-BB38-FB26C749502C}" type="presParOf" srcId="{3E0878C4-DCD2-4845-BAA6-ED89DADE8017}" destId="{94569624-D2F8-694A-9C09-32E24B677BA4}" srcOrd="0" destOrd="0" presId="urn:microsoft.com/office/officeart/2005/8/layout/bList2"/>
     <dgm:cxn modelId="{5B3BB0F5-E6AC-CD48-BE9C-FB8F550B6445}" type="presParOf" srcId="{94569624-D2F8-694A-9C09-32E24B677BA4}" destId="{5284B238-0BF2-D641-A7D2-A9E49F12857B}" srcOrd="0" destOrd="0" presId="urn:microsoft.com/office/officeart/2005/8/layout/bList2"/>
     <dgm:cxn modelId="{DF69A4C0-3405-374E-9BE8-E908F12DAFFC}" type="presParOf" srcId="{94569624-D2F8-694A-9C09-32E24B677BA4}" destId="{D80C159F-915F-AE4C-A06F-0B85E0064CA2}" srcOrd="1" destOrd="0" presId="urn:microsoft.com/office/officeart/2005/8/layout/bList2"/>
@@ -4073,8 +4760,8 @@
       </dsp:nvSpPr>
       <dsp:spPr>
         <a:xfrm>
-          <a:off x="228604" y="0"/>
-          <a:ext cx="2467369" cy="1841839"/>
+          <a:off x="151357" y="182941"/>
+          <a:ext cx="2491380" cy="1563234"/>
         </a:xfrm>
         <a:prstGeom prst="round2SameRect">
           <a:avLst>
@@ -4116,6 +4803,105 @@
         </a:effectRef>
         <a:fontRef idx="minor"/>
       </dsp:style>
+      <dsp:txBody>
+        <a:bodyPr spcFirstLastPara="0" vert="horz" wrap="square" lIns="25400" tIns="76200" rIns="25400" bIns="25400" numCol="1" spcCol="1270" anchor="t" anchorCtr="0">
+          <a:noAutofit/>
+        </a:bodyPr>
+        <a:lstStyle/>
+        <a:p>
+          <a:pPr marL="228600" lvl="1" indent="-228600" algn="l" defTabSz="889000">
+            <a:lnSpc>
+              <a:spcPct val="90000"/>
+            </a:lnSpc>
+            <a:spcBef>
+              <a:spcPct val="0"/>
+            </a:spcBef>
+            <a:spcAft>
+              <a:spcPct val="15000"/>
+            </a:spcAft>
+            <a:buChar char="••"/>
+          </a:pPr>
+          <a:r>
+            <a:rPr lang="en-US" altLang="zh-CN" sz="2000" kern="1200" dirty="0" smtClean="0"/>
+            <a:t>Total</a:t>
+          </a:r>
+          <a:r>
+            <a:rPr lang="zh-CN" altLang="en-US" sz="2000" kern="1200" dirty="0" smtClean="0"/>
+            <a:t> </a:t>
+          </a:r>
+          <a:r>
+            <a:rPr lang="en-US" altLang="zh-CN" sz="2000" kern="1200" dirty="0" smtClean="0"/>
+            <a:t>Entities:</a:t>
+          </a:r>
+          <a:r>
+            <a:rPr lang="zh-CN" altLang="en-US" sz="2000" kern="1200" dirty="0" smtClean="0"/>
+            <a:t> </a:t>
+          </a:r>
+          <a:r>
+            <a:rPr lang="en-US" altLang="zh-CN" sz="2000" kern="1200" dirty="0" smtClean="0"/>
+            <a:t>2000</a:t>
+          </a:r>
+          <a:endParaRPr lang="zh-CN" altLang="en-US" sz="2000" kern="1200" dirty="0"/>
+        </a:p>
+        <a:p>
+          <a:pPr marL="228600" lvl="1" indent="-228600" algn="l" defTabSz="889000">
+            <a:lnSpc>
+              <a:spcPct val="90000"/>
+            </a:lnSpc>
+            <a:spcBef>
+              <a:spcPct val="0"/>
+            </a:spcBef>
+            <a:spcAft>
+              <a:spcPct val="15000"/>
+            </a:spcAft>
+            <a:buChar char="••"/>
+          </a:pPr>
+          <a:r>
+            <a:rPr lang="en-US" altLang="zh-CN" sz="2000" kern="1200" dirty="0" smtClean="0"/>
+            <a:t>Attributes:</a:t>
+          </a:r>
+          <a:r>
+            <a:rPr lang="zh-CN" altLang="en-US" sz="2000" kern="1200" dirty="0" smtClean="0"/>
+            <a:t> </a:t>
+          </a:r>
+          <a:r>
+            <a:rPr lang="en-US" altLang="zh-CN" sz="2000" kern="1200" dirty="0" smtClean="0"/>
+            <a:t>7</a:t>
+          </a:r>
+          <a:endParaRPr lang="zh-CN" altLang="en-US" sz="2000" kern="1200" dirty="0"/>
+        </a:p>
+        <a:p>
+          <a:pPr marL="228600" lvl="1" indent="-228600" algn="l" defTabSz="889000">
+            <a:lnSpc>
+              <a:spcPct val="90000"/>
+            </a:lnSpc>
+            <a:spcBef>
+              <a:spcPct val="0"/>
+            </a:spcBef>
+            <a:spcAft>
+              <a:spcPct val="15000"/>
+            </a:spcAft>
+            <a:buChar char="••"/>
+          </a:pPr>
+          <a:r>
+            <a:rPr lang="en-US" altLang="zh-CN" sz="2000" kern="1200" dirty="0" smtClean="0"/>
+            <a:t>Format:</a:t>
+          </a:r>
+          <a:r>
+            <a:rPr lang="zh-CN" altLang="en-US" sz="2000" kern="1200" dirty="0" smtClean="0"/>
+            <a:t> </a:t>
+          </a:r>
+          <a:r>
+            <a:rPr lang="en-US" altLang="zh-CN" sz="2000" kern="1200" dirty="0" smtClean="0"/>
+            <a:t>XLSX</a:t>
+          </a:r>
+          <a:endParaRPr lang="zh-CN" altLang="en-US" sz="2000" kern="1200" dirty="0"/>
+        </a:p>
+      </dsp:txBody>
+      <dsp:txXfrm>
+        <a:off x="187985" y="219569"/>
+        <a:ext cx="2418124" cy="1526606"/>
+      </dsp:txXfrm>
     </dsp:sp>
     <dsp:sp modelId="{38CCB0B7-911E-3943-B8A1-DEB0B80384CC}">
       <dsp:nvSpPr>
@@ -4124,8 +4910,8 @@
       </dsp:nvSpPr>
       <dsp:spPr>
         <a:xfrm>
-          <a:off x="228604" y="1841841"/>
-          <a:ext cx="2467369" cy="791990"/>
+          <a:off x="142431" y="1745200"/>
+          <a:ext cx="2507327" cy="804816"/>
         </a:xfrm>
         <a:prstGeom prst="rect">
           <a:avLst/>
@@ -4199,12 +4985,12 @@
         </a:fontRef>
       </dsp:style>
       <dsp:txBody>
-        <a:bodyPr spcFirstLastPara="0" vert="horz" wrap="square" lIns="60960" tIns="0" rIns="20320" bIns="0" numCol="1" spcCol="1270" anchor="ctr" anchorCtr="0">
+        <a:bodyPr spcFirstLastPara="0" vert="horz" wrap="square" lIns="64770" tIns="0" rIns="21590" bIns="0" numCol="1" spcCol="1270" anchor="ctr" anchorCtr="0">
           <a:noAutofit/>
         </a:bodyPr>
         <a:lstStyle/>
         <a:p>
-          <a:pPr lvl="0" algn="l" defTabSz="711200">
+          <a:pPr lvl="0" algn="l" defTabSz="755650">
             <a:lnSpc>
               <a:spcPct val="90000"/>
             </a:lnSpc>
@@ -4216,19 +5002,15 @@
             </a:spcAft>
           </a:pPr>
           <a:r>
-            <a:rPr lang="en-US" altLang="zh-CN" sz="1600" kern="1200" dirty="0" err="1" smtClean="0"/>
-            <a:t>Forbes</a:t>
-          </a:r>
-          <a:r>
-            <a:rPr lang="en-US" altLang="zh-CN" sz="1600" kern="1200" dirty="0" err="1" smtClean="0"/>
-            <a:t>:Company</a:t>
-          </a:r>
-          <a:endParaRPr lang="zh-CN" altLang="en-US" sz="1600" kern="1200" dirty="0"/>
+            <a:rPr lang="en-US" altLang="zh-CN" sz="1700" kern="1200" dirty="0" smtClean="0"/>
+            <a:t>Forbes: Company</a:t>
+          </a:r>
+          <a:endParaRPr lang="zh-CN" altLang="en-US" sz="1700" kern="1200" dirty="0"/>
         </a:p>
       </dsp:txBody>
       <dsp:txXfrm>
-        <a:off x="228604" y="1841841"/>
-        <a:ext cx="1737584" cy="791990"/>
+        <a:off x="142431" y="1745200"/>
+        <a:ext cx="1765723" cy="804816"/>
       </dsp:txXfrm>
     </dsp:sp>
     <dsp:sp modelId="{80D6B0A0-2A5A-0243-A5DC-CFD555AD98B3}">
@@ -4238,22 +5020,25 @@
       </dsp:nvSpPr>
       <dsp:spPr>
         <a:xfrm>
-          <a:off x="2035985" y="1967636"/>
-          <a:ext cx="863579" cy="863579"/>
+          <a:off x="1979081" y="1873032"/>
+          <a:ext cx="877564" cy="877564"/>
         </a:xfrm>
         <a:prstGeom prst="ellipse">
           <a:avLst/>
         </a:prstGeom>
-        <a:solidFill>
-          <a:schemeClr val="accent1">
-            <a:alpha val="90000"/>
-            <a:tint val="40000"/>
-            <a:hueOff val="0"/>
-            <a:satOff val="0"/>
-            <a:lumOff val="0"/>
-            <a:alphaOff val="0"/>
-          </a:schemeClr>
-        </a:solidFill>
+        <a:blipFill>
+          <a:blip xmlns:r="http://schemas.openxmlformats.org/officeDocument/2006/relationships" r:embed="rId1">
+            <a:extLst>
+              <a:ext uri="{28A0092B-C50C-407E-A947-70E740481C1C}">
+                <a14:useLocalDpi xmlns:a14="http://schemas.microsoft.com/office/drawing/2010/main" val="0"/>
+              </a:ext>
+            </a:extLst>
+          </a:blip>
+          <a:srcRect/>
+          <a:stretch>
+            <a:fillRect l="-3000" r="-3000"/>
+          </a:stretch>
+        </a:blipFill>
         <a:ln w="9525" cap="flat" cmpd="sng" algn="ctr">
           <a:solidFill>
             <a:schemeClr val="accent1">
@@ -4289,8 +5074,8 @@
       </dsp:nvSpPr>
       <dsp:spPr>
         <a:xfrm>
-          <a:off x="4724408" y="0"/>
-          <a:ext cx="2467369" cy="1841839"/>
+          <a:off x="4772760" y="144787"/>
+          <a:ext cx="2540499" cy="1661272"/>
         </a:xfrm>
         <a:prstGeom prst="round2SameRect">
           <a:avLst>
@@ -4332,6 +5117,105 @@
         </a:effectRef>
         <a:fontRef idx="minor"/>
       </dsp:style>
+      <dsp:txBody>
+        <a:bodyPr spcFirstLastPara="0" vert="horz" wrap="square" lIns="25400" tIns="76200" rIns="25400" bIns="25400" numCol="1" spcCol="1270" anchor="t" anchorCtr="0">
+          <a:noAutofit/>
+        </a:bodyPr>
+        <a:lstStyle/>
+        <a:p>
+          <a:pPr marL="228600" lvl="1" indent="-228600" algn="l" defTabSz="889000">
+            <a:lnSpc>
+              <a:spcPct val="90000"/>
+            </a:lnSpc>
+            <a:spcBef>
+              <a:spcPct val="0"/>
+            </a:spcBef>
+            <a:spcAft>
+              <a:spcPct val="15000"/>
+            </a:spcAft>
+            <a:buChar char="••"/>
+          </a:pPr>
+          <a:r>
+            <a:rPr lang="en-US" altLang="zh-CN" sz="2000" kern="1200" dirty="0" smtClean="0"/>
+            <a:t>Total</a:t>
+          </a:r>
+          <a:r>
+            <a:rPr lang="zh-CN" altLang="en-US" sz="2000" kern="1200" dirty="0" smtClean="0"/>
+            <a:t> </a:t>
+          </a:r>
+          <a:r>
+            <a:rPr lang="en-US" altLang="zh-CN" sz="2000" kern="1200" dirty="0" smtClean="0"/>
+            <a:t>Entities:</a:t>
+          </a:r>
+          <a:r>
+            <a:rPr lang="zh-CN" altLang="en-US" sz="2000" kern="1200" dirty="0" smtClean="0"/>
+            <a:t> </a:t>
+          </a:r>
+          <a:r>
+            <a:rPr lang="en-US" altLang="zh-CN" sz="2000" kern="1200" dirty="0" smtClean="0"/>
+            <a:t>3182</a:t>
+          </a:r>
+          <a:endParaRPr lang="zh-CN" altLang="en-US" sz="2000" kern="1200" dirty="0"/>
+        </a:p>
+        <a:p>
+          <a:pPr marL="228600" lvl="1" indent="-228600" algn="l" defTabSz="889000">
+            <a:lnSpc>
+              <a:spcPct val="90000"/>
+            </a:lnSpc>
+            <a:spcBef>
+              <a:spcPct val="0"/>
+            </a:spcBef>
+            <a:spcAft>
+              <a:spcPct val="15000"/>
+            </a:spcAft>
+            <a:buChar char="••"/>
+          </a:pPr>
+          <a:r>
+            <a:rPr lang="en-US" altLang="zh-CN" sz="2000" kern="1200" dirty="0" smtClean="0"/>
+            <a:t>Attributes:</a:t>
+          </a:r>
+          <a:r>
+            <a:rPr lang="zh-CN" altLang="en-US" sz="2000" kern="1200" dirty="0" smtClean="0"/>
+            <a:t> </a:t>
+          </a:r>
+          <a:r>
+            <a:rPr lang="en-US" altLang="zh-CN" sz="2000" kern="1200" dirty="0" smtClean="0"/>
+            <a:t>9</a:t>
+          </a:r>
+          <a:endParaRPr lang="zh-CN" altLang="en-US" sz="2000" kern="1200" dirty="0"/>
+        </a:p>
+        <a:p>
+          <a:pPr marL="228600" lvl="1" indent="-228600" algn="l" defTabSz="889000">
+            <a:lnSpc>
+              <a:spcPct val="90000"/>
+            </a:lnSpc>
+            <a:spcBef>
+              <a:spcPct val="0"/>
+            </a:spcBef>
+            <a:spcAft>
+              <a:spcPct val="15000"/>
+            </a:spcAft>
+            <a:buChar char="••"/>
+          </a:pPr>
+          <a:r>
+            <a:rPr lang="en-US" altLang="zh-CN" sz="2000" kern="1200" dirty="0" smtClean="0"/>
+            <a:t>Format:</a:t>
+          </a:r>
+          <a:r>
+            <a:rPr lang="zh-CN" altLang="en-US" sz="2000" kern="1200" dirty="0" smtClean="0"/>
+            <a:t> </a:t>
+          </a:r>
+          <a:r>
+            <a:rPr lang="en-US" altLang="zh-CN" sz="2000" kern="1200" dirty="0" smtClean="0"/>
+            <a:t>JSON</a:t>
+          </a:r>
+          <a:endParaRPr lang="zh-CN" altLang="en-US" sz="2000" kern="1200" dirty="0"/>
+        </a:p>
+      </dsp:txBody>
+      <dsp:txXfrm>
+        <a:off x="4811686" y="183713"/>
+        <a:ext cx="2462647" cy="1622346"/>
+      </dsp:txXfrm>
     </dsp:sp>
     <dsp:sp modelId="{EB54E51C-1DDD-FA4D-B3AE-055C72DE48DD}">
       <dsp:nvSpPr>
@@ -4340,8 +5224,8 @@
       </dsp:nvSpPr>
       <dsp:spPr>
         <a:xfrm>
-          <a:off x="4724408" y="1841841"/>
-          <a:ext cx="2467369" cy="791990"/>
+          <a:off x="4711042" y="1769709"/>
+          <a:ext cx="2627428" cy="804816"/>
         </a:xfrm>
         <a:prstGeom prst="rect">
           <a:avLst/>
@@ -4415,12 +5299,12 @@
         </a:fontRef>
       </dsp:style>
       <dsp:txBody>
-        <a:bodyPr spcFirstLastPara="0" vert="horz" wrap="square" lIns="60960" tIns="0" rIns="20320" bIns="0" numCol="1" spcCol="1270" anchor="ctr" anchorCtr="0">
+        <a:bodyPr spcFirstLastPara="0" vert="horz" wrap="square" lIns="64770" tIns="0" rIns="21590" bIns="0" numCol="1" spcCol="1270" anchor="ctr" anchorCtr="0">
           <a:noAutofit/>
         </a:bodyPr>
         <a:lstStyle/>
         <a:p>
-          <a:pPr lvl="0" algn="l" defTabSz="711200">
+          <a:pPr lvl="0" algn="l" defTabSz="755650">
             <a:lnSpc>
               <a:spcPct val="90000"/>
             </a:lnSpc>
@@ -4432,19 +5316,15 @@
             </a:spcAft>
           </a:pPr>
           <a:r>
-            <a:rPr lang="en-US" altLang="zh-CN" sz="1600" kern="1200" dirty="0" err="1" smtClean="0"/>
-            <a:t>Freebase</a:t>
-          </a:r>
-          <a:r>
-            <a:rPr lang="en-US" altLang="zh-CN" sz="1600" kern="1200" dirty="0" err="1" smtClean="0"/>
-            <a:t>:Company</a:t>
-          </a:r>
-          <a:endParaRPr lang="zh-CN" altLang="en-US" sz="1600" kern="1200" dirty="0"/>
+            <a:rPr lang="en-US" altLang="zh-CN" sz="1700" kern="1200" dirty="0" smtClean="0"/>
+            <a:t>Freebase:Company</a:t>
+          </a:r>
+          <a:endParaRPr lang="zh-CN" altLang="en-US" sz="1700" kern="1200" dirty="0"/>
         </a:p>
       </dsp:txBody>
       <dsp:txXfrm>
-        <a:off x="4724408" y="1841841"/>
-        <a:ext cx="1737584" cy="791990"/>
+        <a:off x="4711042" y="1769709"/>
+        <a:ext cx="1850301" cy="804816"/>
       </dsp:txXfrm>
     </dsp:sp>
     <dsp:sp modelId="{541DC053-C33A-C547-BFBB-D30088FCB86B}">
@@ -4454,22 +5334,25 @@
       </dsp:nvSpPr>
       <dsp:spPr>
         <a:xfrm>
-          <a:off x="6527820" y="1967636"/>
-          <a:ext cx="863579" cy="863579"/>
+          <a:off x="6513835" y="1897542"/>
+          <a:ext cx="877564" cy="877564"/>
         </a:xfrm>
         <a:prstGeom prst="ellipse">
           <a:avLst/>
         </a:prstGeom>
-        <a:solidFill>
-          <a:schemeClr val="accent1">
-            <a:alpha val="90000"/>
-            <a:tint val="40000"/>
-            <a:hueOff val="0"/>
-            <a:satOff val="0"/>
-            <a:lumOff val="0"/>
-            <a:alphaOff val="0"/>
-          </a:schemeClr>
-        </a:solidFill>
+        <a:blipFill>
+          <a:blip xmlns:r="http://schemas.openxmlformats.org/officeDocument/2006/relationships" r:embed="rId2">
+            <a:extLst>
+              <a:ext uri="{28A0092B-C50C-407E-A947-70E740481C1C}">
+                <a14:useLocalDpi xmlns:a14="http://schemas.microsoft.com/office/drawing/2010/main" val="0"/>
+              </a:ext>
+            </a:extLst>
+          </a:blip>
+          <a:srcRect/>
+          <a:stretch>
+            <a:fillRect l="-5000" r="-5000"/>
+          </a:stretch>
+        </a:blipFill>
         <a:ln w="9525" cap="flat" cmpd="sng" algn="ctr">
           <a:solidFill>
             <a:schemeClr val="accent1">
@@ -4505,8 +5388,8 @@
       </dsp:nvSpPr>
       <dsp:spPr>
         <a:xfrm>
-          <a:off x="228604" y="3200394"/>
-          <a:ext cx="2467369" cy="1841839"/>
+          <a:off x="160741" y="3150263"/>
+          <a:ext cx="2556370" cy="1871666"/>
         </a:xfrm>
         <a:prstGeom prst="round2SameRect">
           <a:avLst>
@@ -4548,6 +5431,105 @@
         </a:effectRef>
         <a:fontRef idx="minor"/>
       </dsp:style>
+      <dsp:txBody>
+        <a:bodyPr spcFirstLastPara="0" vert="horz" wrap="square" lIns="25400" tIns="76200" rIns="25400" bIns="25400" numCol="1" spcCol="1270" anchor="t" anchorCtr="0">
+          <a:noAutofit/>
+        </a:bodyPr>
+        <a:lstStyle/>
+        <a:p>
+          <a:pPr marL="228600" lvl="1" indent="-228600" algn="l" defTabSz="889000">
+            <a:lnSpc>
+              <a:spcPct val="90000"/>
+            </a:lnSpc>
+            <a:spcBef>
+              <a:spcPct val="0"/>
+            </a:spcBef>
+            <a:spcAft>
+              <a:spcPct val="15000"/>
+            </a:spcAft>
+            <a:buChar char="••"/>
+          </a:pPr>
+          <a:r>
+            <a:rPr lang="en-US" altLang="zh-CN" sz="2000" kern="1200" dirty="0" smtClean="0"/>
+            <a:t>Total</a:t>
+          </a:r>
+          <a:r>
+            <a:rPr lang="zh-CN" altLang="en-US" sz="2000" kern="1200" dirty="0" smtClean="0"/>
+            <a:t> </a:t>
+          </a:r>
+          <a:r>
+            <a:rPr lang="en-US" altLang="zh-CN" sz="2000" kern="1200" dirty="0" smtClean="0"/>
+            <a:t>Entities:</a:t>
+          </a:r>
+          <a:r>
+            <a:rPr lang="zh-CN" altLang="en-US" sz="2000" kern="1200" dirty="0" smtClean="0"/>
+            <a:t> </a:t>
+          </a:r>
+          <a:r>
+            <a:rPr lang="en-US" altLang="zh-CN" sz="2000" kern="1200" dirty="0" smtClean="0"/>
+            <a:t>16051</a:t>
+          </a:r>
+          <a:endParaRPr lang="zh-CN" altLang="en-US" sz="2000" kern="1200" dirty="0"/>
+        </a:p>
+        <a:p>
+          <a:pPr marL="228600" lvl="1" indent="-228600" algn="l" defTabSz="889000">
+            <a:lnSpc>
+              <a:spcPct val="90000"/>
+            </a:lnSpc>
+            <a:spcBef>
+              <a:spcPct val="0"/>
+            </a:spcBef>
+            <a:spcAft>
+              <a:spcPct val="15000"/>
+            </a:spcAft>
+            <a:buChar char="••"/>
+          </a:pPr>
+          <a:r>
+            <a:rPr lang="en-US" altLang="zh-CN" sz="2000" kern="1200" dirty="0" smtClean="0"/>
+            <a:t>Attributes:</a:t>
+          </a:r>
+          <a:r>
+            <a:rPr lang="zh-CN" altLang="en-US" sz="2000" kern="1200" dirty="0" smtClean="0"/>
+            <a:t> </a:t>
+          </a:r>
+          <a:r>
+            <a:rPr lang="en-US" altLang="zh-CN" sz="2000" kern="1200" dirty="0" smtClean="0"/>
+            <a:t>9</a:t>
+          </a:r>
+          <a:endParaRPr lang="zh-CN" altLang="en-US" sz="2000" kern="1200" dirty="0"/>
+        </a:p>
+        <a:p>
+          <a:pPr marL="228600" lvl="1" indent="-228600" algn="l" defTabSz="889000">
+            <a:lnSpc>
+              <a:spcPct val="90000"/>
+            </a:lnSpc>
+            <a:spcBef>
+              <a:spcPct val="0"/>
+            </a:spcBef>
+            <a:spcAft>
+              <a:spcPct val="15000"/>
+            </a:spcAft>
+            <a:buChar char="••"/>
+          </a:pPr>
+          <a:r>
+            <a:rPr lang="en-US" altLang="zh-CN" sz="2000" kern="1200" dirty="0" smtClean="0"/>
+            <a:t>Format:</a:t>
+          </a:r>
+          <a:r>
+            <a:rPr lang="zh-CN" altLang="en-US" sz="2000" kern="1200" dirty="0" smtClean="0"/>
+            <a:t> </a:t>
+          </a:r>
+          <a:r>
+            <a:rPr lang="en-US" altLang="zh-CN" sz="2000" kern="1200" dirty="0" smtClean="0"/>
+            <a:t>CSV</a:t>
+          </a:r>
+          <a:endParaRPr lang="zh-CN" altLang="en-US" sz="2000" kern="1200" dirty="0"/>
+        </a:p>
+      </dsp:txBody>
+      <dsp:txXfrm>
+        <a:off x="204596" y="3194118"/>
+        <a:ext cx="2468660" cy="1827811"/>
+      </dsp:txXfrm>
     </dsp:sp>
     <dsp:sp modelId="{408A8867-1D3D-BC44-9737-1F047D63CD05}">
       <dsp:nvSpPr>
@@ -4556,8 +5538,8 @@
       </dsp:nvSpPr>
       <dsp:spPr>
         <a:xfrm>
-          <a:off x="228604" y="5042237"/>
-          <a:ext cx="2467369" cy="791990"/>
+          <a:off x="159650" y="5021934"/>
+          <a:ext cx="2558551" cy="804816"/>
         </a:xfrm>
         <a:prstGeom prst="rect">
           <a:avLst/>
@@ -4631,12 +5613,12 @@
         </a:fontRef>
       </dsp:style>
       <dsp:txBody>
-        <a:bodyPr spcFirstLastPara="0" vert="horz" wrap="square" lIns="60960" tIns="0" rIns="20320" bIns="0" numCol="1" spcCol="1270" anchor="ctr" anchorCtr="0">
+        <a:bodyPr spcFirstLastPara="0" vert="horz" wrap="square" lIns="64770" tIns="0" rIns="21590" bIns="0" numCol="1" spcCol="1270" anchor="ctr" anchorCtr="0">
           <a:noAutofit/>
         </a:bodyPr>
         <a:lstStyle/>
         <a:p>
-          <a:pPr lvl="0" algn="l" defTabSz="711200">
+          <a:pPr lvl="0" algn="l" defTabSz="755650">
             <a:lnSpc>
               <a:spcPct val="90000"/>
             </a:lnSpc>
@@ -4648,19 +5630,23 @@
             </a:spcAft>
           </a:pPr>
           <a:r>
-            <a:rPr lang="en-US" altLang="zh-CN" sz="1600" kern="1200" dirty="0" err="1" smtClean="0"/>
-            <a:t>DBpedia</a:t>
-          </a:r>
-          <a:r>
-            <a:rPr lang="en-US" altLang="zh-CN" sz="1600" kern="1200" dirty="0" err="1" smtClean="0"/>
-            <a:t>:Company</a:t>
-          </a:r>
-          <a:endParaRPr lang="zh-CN" altLang="en-US" sz="1600" kern="1200" dirty="0"/>
+            <a:rPr lang="en-US" altLang="zh-CN" sz="1700" kern="1200" dirty="0" smtClean="0"/>
+            <a:t>DBpedia:</a:t>
+          </a:r>
+          <a:r>
+            <a:rPr lang="zh-CN" altLang="en-US" sz="1700" kern="1200" dirty="0" smtClean="0"/>
+            <a:t> </a:t>
+          </a:r>
+          <a:r>
+            <a:rPr lang="en-US" altLang="zh-CN" sz="1700" kern="1200" dirty="0" smtClean="0"/>
+            <a:t>Company</a:t>
+          </a:r>
+          <a:endParaRPr lang="zh-CN" altLang="en-US" sz="1700" kern="1200" dirty="0"/>
         </a:p>
       </dsp:txBody>
       <dsp:txXfrm>
-        <a:off x="228604" y="5042237"/>
-        <a:ext cx="1737584" cy="791990"/>
+        <a:off x="159650" y="5021934"/>
+        <a:ext cx="1801797" cy="804816"/>
       </dsp:txXfrm>
     </dsp:sp>
     <dsp:sp modelId="{762D4D6F-2660-9646-9CCD-39B5B77C1962}">
@@ -4670,22 +5656,25 @@
       </dsp:nvSpPr>
       <dsp:spPr>
         <a:xfrm>
-          <a:off x="2035985" y="5168044"/>
-          <a:ext cx="863579" cy="863579"/>
+          <a:off x="2021913" y="5149778"/>
+          <a:ext cx="877564" cy="877564"/>
         </a:xfrm>
         <a:prstGeom prst="ellipse">
           <a:avLst/>
         </a:prstGeom>
-        <a:solidFill>
-          <a:schemeClr val="accent1">
-            <a:alpha val="90000"/>
-            <a:tint val="40000"/>
-            <a:hueOff val="0"/>
-            <a:satOff val="0"/>
-            <a:lumOff val="0"/>
-            <a:alphaOff val="0"/>
-          </a:schemeClr>
-        </a:solidFill>
+        <a:blipFill>
+          <a:blip xmlns:r="http://schemas.openxmlformats.org/officeDocument/2006/relationships" r:embed="rId3">
+            <a:extLst>
+              <a:ext uri="{28A0092B-C50C-407E-A947-70E740481C1C}">
+                <a14:useLocalDpi xmlns:a14="http://schemas.microsoft.com/office/drawing/2010/main" val="0"/>
+              </a:ext>
+            </a:extLst>
+          </a:blip>
+          <a:srcRect/>
+          <a:stretch>
+            <a:fillRect l="-31000" r="-31000"/>
+          </a:stretch>
+        </a:blipFill>
         <a:ln w="9525" cap="flat" cmpd="sng" algn="ctr">
           <a:solidFill>
             <a:schemeClr val="accent1">
@@ -4721,8 +5710,8 @@
       </dsp:nvSpPr>
       <dsp:spPr>
         <a:xfrm>
-          <a:off x="4800600" y="3200394"/>
-          <a:ext cx="2467369" cy="1841839"/>
+          <a:off x="4818487" y="3150263"/>
+          <a:ext cx="2507327" cy="1871666"/>
         </a:xfrm>
         <a:prstGeom prst="round2SameRect">
           <a:avLst>
@@ -4764,6 +5753,97 @@
         </a:effectRef>
         <a:fontRef idx="minor"/>
       </dsp:style>
+      <dsp:txBody>
+        <a:bodyPr spcFirstLastPara="0" vert="horz" wrap="square" lIns="25400" tIns="76200" rIns="25400" bIns="25400" numCol="1" spcCol="1270" anchor="t" anchorCtr="0">
+          <a:noAutofit/>
+        </a:bodyPr>
+        <a:lstStyle/>
+        <a:p>
+          <a:pPr marL="228600" lvl="1" indent="-228600" algn="l" defTabSz="889000">
+            <a:lnSpc>
+              <a:spcPct val="90000"/>
+            </a:lnSpc>
+            <a:spcBef>
+              <a:spcPct val="0"/>
+            </a:spcBef>
+            <a:spcAft>
+              <a:spcPct val="15000"/>
+            </a:spcAft>
+            <a:buChar char="••"/>
+          </a:pPr>
+          <a:r>
+            <a:rPr lang="en-US" altLang="zh-CN" sz="2000" kern="1200" dirty="0" smtClean="0"/>
+            <a:t>Total</a:t>
+          </a:r>
+          <a:r>
+            <a:rPr lang="zh-CN" altLang="en-US" sz="2000" kern="1200" dirty="0" smtClean="0"/>
+            <a:t> </a:t>
+          </a:r>
+          <a:r>
+            <a:rPr lang="en-US" altLang="zh-CN" sz="2000" kern="1200" dirty="0" smtClean="0"/>
+            <a:t>Entities:3270</a:t>
+          </a:r>
+          <a:endParaRPr lang="zh-CN" altLang="en-US" sz="2000" kern="1200" dirty="0"/>
+        </a:p>
+        <a:p>
+          <a:pPr marL="228600" lvl="1" indent="-228600" algn="l" defTabSz="889000">
+            <a:lnSpc>
+              <a:spcPct val="90000"/>
+            </a:lnSpc>
+            <a:spcBef>
+              <a:spcPct val="0"/>
+            </a:spcBef>
+            <a:spcAft>
+              <a:spcPct val="15000"/>
+            </a:spcAft>
+            <a:buChar char="••"/>
+          </a:pPr>
+          <a:r>
+            <a:rPr lang="en-US" altLang="zh-CN" sz="2000" kern="1200" dirty="0" smtClean="0"/>
+            <a:t>Attributes:</a:t>
+          </a:r>
+          <a:r>
+            <a:rPr lang="zh-CN" altLang="en-US" sz="2000" kern="1200" dirty="0" smtClean="0"/>
+            <a:t> </a:t>
+          </a:r>
+          <a:r>
+            <a:rPr lang="en-US" altLang="zh-CN" sz="2000" kern="1200" dirty="0" smtClean="0"/>
+            <a:t>5</a:t>
+          </a:r>
+          <a:endParaRPr lang="zh-CN" altLang="en-US" sz="2000" kern="1200" dirty="0"/>
+        </a:p>
+        <a:p>
+          <a:pPr marL="228600" lvl="1" indent="-228600" algn="l" defTabSz="889000">
+            <a:lnSpc>
+              <a:spcPct val="90000"/>
+            </a:lnSpc>
+            <a:spcBef>
+              <a:spcPct val="0"/>
+            </a:spcBef>
+            <a:spcAft>
+              <a:spcPct val="15000"/>
+            </a:spcAft>
+            <a:buChar char="••"/>
+          </a:pPr>
+          <a:r>
+            <a:rPr lang="en-US" altLang="zh-CN" sz="2000" kern="1200" dirty="0" smtClean="0"/>
+            <a:t>Format:</a:t>
+          </a:r>
+          <a:r>
+            <a:rPr lang="zh-CN" altLang="en-US" sz="2000" kern="1200" dirty="0" smtClean="0"/>
+            <a:t> </a:t>
+          </a:r>
+          <a:r>
+            <a:rPr lang="en-US" altLang="zh-CN" sz="2000" kern="1200" dirty="0" smtClean="0"/>
+            <a:t>CSV</a:t>
+          </a:r>
+          <a:endParaRPr lang="zh-CN" altLang="en-US" sz="2000" kern="1200" dirty="0"/>
+        </a:p>
+      </dsp:txBody>
+      <dsp:txXfrm>
+        <a:off x="4862342" y="3194118"/>
+        <a:ext cx="2419617" cy="1827811"/>
+      </dsp:txXfrm>
     </dsp:sp>
     <dsp:sp modelId="{9A04D2A4-939B-E54F-8E2A-96AAD4AF6D2E}">
       <dsp:nvSpPr>
@@ -4772,8 +5852,8 @@
       </dsp:nvSpPr>
       <dsp:spPr>
         <a:xfrm>
-          <a:off x="4800600" y="5042237"/>
-          <a:ext cx="2467369" cy="791990"/>
+          <a:off x="4831300" y="5021934"/>
+          <a:ext cx="2507327" cy="804816"/>
         </a:xfrm>
         <a:prstGeom prst="rect">
           <a:avLst/>
@@ -4847,12 +5927,12 @@
         </a:fontRef>
       </dsp:style>
       <dsp:txBody>
-        <a:bodyPr spcFirstLastPara="0" vert="horz" wrap="square" lIns="60960" tIns="0" rIns="20320" bIns="0" numCol="1" spcCol="1270" anchor="ctr" anchorCtr="0">
+        <a:bodyPr spcFirstLastPara="0" vert="horz" wrap="square" lIns="64770" tIns="0" rIns="21590" bIns="0" numCol="1" spcCol="1270" anchor="ctr" anchorCtr="0">
           <a:noAutofit/>
         </a:bodyPr>
         <a:lstStyle/>
         <a:p>
-          <a:pPr lvl="0" algn="l" defTabSz="711200">
+          <a:pPr lvl="0" algn="l" defTabSz="755650">
             <a:lnSpc>
               <a:spcPct val="90000"/>
             </a:lnSpc>
@@ -4864,19 +5944,23 @@
             </a:spcAft>
           </a:pPr>
           <a:r>
-            <a:rPr lang="en-US" altLang="zh-CN" sz="1600" kern="1200" dirty="0" err="1" smtClean="0"/>
-            <a:t>DBpedia</a:t>
-          </a:r>
-          <a:r>
-            <a:rPr lang="en-US" altLang="zh-CN" sz="1600" kern="1200" dirty="0" err="1" smtClean="0"/>
-            <a:t>:Location</a:t>
-          </a:r>
-          <a:endParaRPr lang="zh-CN" altLang="en-US" sz="1600" kern="1200" dirty="0"/>
+            <a:rPr lang="en-US" altLang="zh-CN" sz="1700" kern="1200" dirty="0" smtClean="0"/>
+            <a:t>DBpedia:</a:t>
+          </a:r>
+          <a:r>
+            <a:rPr lang="zh-CN" altLang="en-US" sz="1700" kern="1200" dirty="0" smtClean="0"/>
+            <a:t> </a:t>
+          </a:r>
+          <a:r>
+            <a:rPr lang="en-US" altLang="zh-CN" sz="1700" kern="1200" dirty="0" smtClean="0"/>
+            <a:t>Location</a:t>
+          </a:r>
+          <a:endParaRPr lang="zh-CN" altLang="en-US" sz="1700" kern="1200" dirty="0"/>
         </a:p>
       </dsp:txBody>
       <dsp:txXfrm>
-        <a:off x="4800600" y="5042237"/>
-        <a:ext cx="1737584" cy="791990"/>
+        <a:off x="4831300" y="5021934"/>
+        <a:ext cx="1765723" cy="804816"/>
       </dsp:txXfrm>
     </dsp:sp>
     <dsp:sp modelId="{3E78E825-5649-FD4D-9607-32828454F35C}">
@@ -4886,22 +5970,25 @@
       </dsp:nvSpPr>
       <dsp:spPr>
         <a:xfrm>
-          <a:off x="6527820" y="5168044"/>
-          <a:ext cx="863579" cy="863579"/>
+          <a:off x="6513835" y="5149778"/>
+          <a:ext cx="877564" cy="877564"/>
         </a:xfrm>
         <a:prstGeom prst="ellipse">
           <a:avLst/>
         </a:prstGeom>
-        <a:solidFill>
-          <a:schemeClr val="accent1">
-            <a:alpha val="90000"/>
-            <a:tint val="40000"/>
-            <a:hueOff val="0"/>
-            <a:satOff val="0"/>
-            <a:lumOff val="0"/>
-            <a:alphaOff val="0"/>
-          </a:schemeClr>
-        </a:solidFill>
+        <a:blipFill>
+          <a:blip xmlns:r="http://schemas.openxmlformats.org/officeDocument/2006/relationships" r:embed="rId3">
+            <a:extLst>
+              <a:ext uri="{28A0092B-C50C-407E-A947-70E740481C1C}">
+                <a14:useLocalDpi xmlns:a14="http://schemas.microsoft.com/office/drawing/2010/main" val="0"/>
+              </a:ext>
+            </a:extLst>
+          </a:blip>
+          <a:srcRect/>
+          <a:stretch>
+            <a:fillRect l="-31000" r="-31000"/>
+          </a:stretch>
+        </a:blipFill>
         <a:ln w="9525" cap="flat" cmpd="sng" algn="ctr">
           <a:solidFill>
             <a:schemeClr val="accent1">
@@ -11283,17 +12370,7 @@
                 <a:latin typeface="Arial"/>
                 <a:cs typeface="Arial"/>
               </a:rPr>
-              <a:t>Data Integration </a:t>
-            </a:r>
-            <a:r>
-              <a:rPr lang="de-DE" spc="-5" dirty="0" smtClean="0">
-                <a:solidFill>
-                  <a:srgbClr val="FFFFFF"/>
-                </a:solidFill>
-                <a:latin typeface="Arial"/>
-                <a:cs typeface="Arial"/>
-              </a:rPr>
-              <a:t>Project </a:t>
+              <a:t>Data Integration Project </a:t>
             </a:r>
             <a:r>
               <a:rPr lang="zh-CN" altLang="en-US" spc="-5" dirty="0" smtClean="0">
@@ -11303,17 +12380,7 @@
                 <a:latin typeface="Arial"/>
                 <a:cs typeface="Arial"/>
               </a:rPr>
-              <a:t>                                                                              </a:t>
-            </a:r>
-            <a:r>
-              <a:rPr lang="zh-CN" altLang="en-US" spc="-5" dirty="0" smtClean="0">
-                <a:solidFill>
-                  <a:srgbClr val="FFFFFF"/>
-                </a:solidFill>
-                <a:latin typeface="Arial"/>
-                <a:cs typeface="Arial"/>
-              </a:rPr>
-              <a:t> </a:t>
+              <a:t>                                                                               </a:t>
             </a:r>
             <a:r>
               <a:rPr lang="en-US" altLang="de-DE" sz="2000" dirty="0" smtClean="0">
@@ -11390,11 +12457,7 @@
             </a:r>
             <a:r>
               <a:rPr lang="en-US" dirty="0" smtClean="0"/>
-              <a:t>and </a:t>
-            </a:r>
-            <a:r>
-              <a:rPr lang="en-US" dirty="0" smtClean="0"/>
-              <a:t>Geographical</a:t>
+              <a:t>and Geographical</a:t>
             </a:r>
             <a:r>
               <a:rPr lang="zh-CN" altLang="en-US" dirty="0" smtClean="0"/>
@@ -11450,7 +12513,6 @@
               <a:rPr lang="en-US" altLang="zh-CN" dirty="0"/>
               <a:t>Frendo </a:t>
             </a:r>
-            <a:endParaRPr lang="en-US" altLang="zh-CN" dirty="0"/>
           </a:p>
           <a:p>
             <a:r>
@@ -11566,11 +12628,7 @@
             </a:pPr>
             <a:r>
               <a:rPr lang="en-US" altLang="de-DE" sz="2800" dirty="0" smtClean="0"/>
-              <a:t>Use</a:t>
-            </a:r>
-            <a:r>
-              <a:rPr lang="en-US" altLang="de-DE" sz="2800" dirty="0" smtClean="0"/>
-              <a:t> Case</a:t>
+              <a:t>Use Case</a:t>
             </a:r>
           </a:p>
           <a:p>
@@ -11796,13 +12854,8 @@
             <a:pPr eaLnBrk="1" hangingPunct="1"/>
             <a:r>
               <a:rPr lang="en-US" altLang="en-US" b="1" dirty="0" smtClean="0"/>
-              <a:t>Use</a:t>
-            </a:r>
-            <a:r>
-              <a:rPr lang="en-US" altLang="en-US" b="1" dirty="0" smtClean="0"/>
-              <a:t> Case </a:t>
-            </a:r>
-            <a:endParaRPr lang="en-US" altLang="en-US" b="1" dirty="0" smtClean="0"/>
+              <a:t>Use Case </a:t>
+            </a:r>
           </a:p>
         </p:txBody>
       </p:sp>
@@ -12050,7 +13103,7 @@
           <p:nvPr>
             <p:extLst>
               <p:ext uri="{D42A27DB-BD31-4B8C-83A1-F6EECF244321}">
-                <p14:modId xmlns:p14="http://schemas.microsoft.com/office/powerpoint/2010/main" val="3000842872"/>
+                <p14:modId xmlns:p14="http://schemas.microsoft.com/office/powerpoint/2010/main" val="4001958512"/>
               </p:ext>
             </p:extLst>
           </p:nvPr>
@@ -12069,6 +13122,266 @@
     <p:extLst>
       <p:ext uri="{BB962C8B-B14F-4D97-AF65-F5344CB8AC3E}">
         <p14:creationId xmlns:p14="http://schemas.microsoft.com/office/powerpoint/2010/main" val="4107455546"/>
+      </p:ext>
+    </p:extLst>
+  </p:cSld>
+  <p:clrMapOvr>
+    <a:masterClrMapping/>
+  </p:clrMapOvr>
+  <p:timing>
+    <p:tnLst>
+      <p:par>
+        <p:cTn xmlns:p14="http://schemas.microsoft.com/office/powerpoint/2010/main" id="1" dur="indefinite" restart="never" nodeType="tmRoot"/>
+      </p:par>
+    </p:tnLst>
+  </p:timing>
+</p:sld>
+</file>
+
+<file path=ppt/slides/slide5.xml><?xml version="1.0" encoding="utf-8"?>
+<p:sld xmlns:a="http://schemas.openxmlformats.org/drawingml/2006/main" xmlns:r="http://schemas.openxmlformats.org/officeDocument/2006/relationships" xmlns:p="http://schemas.openxmlformats.org/presentationml/2006/main">
+  <p:cSld>
+    <p:spTree>
+      <p:nvGrpSpPr>
+        <p:cNvPr id="1" name=""/>
+        <p:cNvGrpSpPr/>
+        <p:nvPr/>
+      </p:nvGrpSpPr>
+      <p:grpSpPr>
+        <a:xfrm>
+          <a:off x="0" y="0"/>
+          <a:ext cx="0" cy="0"/>
+          <a:chOff x="0" y="0"/>
+          <a:chExt cx="0" cy="0"/>
+        </a:xfrm>
+      </p:grpSpPr>
+      <p:sp>
+        <p:nvSpPr>
+          <p:cNvPr id="2" name="Title 1"/>
+          <p:cNvSpPr>
+            <a:spLocks noGrp="1"/>
+          </p:cNvSpPr>
+          <p:nvPr>
+            <p:ph type="title"/>
+          </p:nvPr>
+        </p:nvSpPr>
+        <p:spPr/>
+        <p:txBody>
+          <a:bodyPr/>
+          <a:lstStyle/>
+          <a:p>
+            <a:r>
+              <a:rPr lang="en-US" b="1" dirty="0" smtClean="0"/>
+              <a:t>Conclusion </a:t>
+            </a:r>
+            <a:endParaRPr lang="en-US" b="1" dirty="0"/>
+          </a:p>
+        </p:txBody>
+      </p:sp>
+      <p:sp>
+        <p:nvSpPr>
+          <p:cNvPr id="3" name="Text Placeholder 2"/>
+          <p:cNvSpPr>
+            <a:spLocks noGrp="1"/>
+          </p:cNvSpPr>
+          <p:nvPr>
+            <p:ph type="body" idx="1"/>
+          </p:nvPr>
+        </p:nvSpPr>
+        <p:spPr>
+          <a:xfrm>
+            <a:off x="850899" y="1193800"/>
+            <a:ext cx="7384835" cy="5486400"/>
+          </a:xfrm>
+        </p:spPr>
+        <p:txBody>
+          <a:bodyPr anchor="ctr"/>
+          <a:lstStyle/>
+          <a:p>
+            <a:pPr marL="457200" lvl="1" indent="-457200">
+              <a:spcBef>
+                <a:spcPts val="1000"/>
+              </a:spcBef>
+              <a:buFont typeface="Wingdings" panose="05000000000000000000" pitchFamily="2" charset="2"/>
+              <a:buChar char="q"/>
+            </a:pPr>
+            <a:r>
+              <a:rPr lang="en-US" altLang="de-DE" sz="2800" dirty="0" smtClean="0"/>
+              <a:t>Use Case</a:t>
+            </a:r>
+          </a:p>
+          <a:p>
+            <a:pPr marL="457200" lvl="1" indent="-457200">
+              <a:spcBef>
+                <a:spcPts val="1000"/>
+              </a:spcBef>
+              <a:buFont typeface="Wingdings" panose="05000000000000000000" pitchFamily="2" charset="2"/>
+              <a:buChar char="q"/>
+            </a:pPr>
+            <a:r>
+              <a:rPr lang="en-US" altLang="de-DE" sz="2800" dirty="0" smtClean="0"/>
+              <a:t>Data Collection</a:t>
+            </a:r>
+          </a:p>
+          <a:p>
+            <a:pPr marL="457200" lvl="1" indent="-457200">
+              <a:spcBef>
+                <a:spcPts val="1000"/>
+              </a:spcBef>
+              <a:buFont typeface="Wingdings" panose="05000000000000000000" pitchFamily="2" charset="2"/>
+              <a:buChar char="q"/>
+            </a:pPr>
+            <a:r>
+              <a:rPr lang="en-US" altLang="de-DE" sz="2800" dirty="0" smtClean="0"/>
+              <a:t>Identity</a:t>
+            </a:r>
+            <a:r>
+              <a:rPr lang="zh-CN" altLang="en-US" sz="2800" dirty="0" smtClean="0"/>
+              <a:t> </a:t>
+            </a:r>
+            <a:r>
+              <a:rPr lang="en-US" altLang="zh-CN" sz="2800" dirty="0" smtClean="0"/>
+              <a:t>Resolution</a:t>
+            </a:r>
+            <a:endParaRPr lang="en-US" altLang="de-DE" sz="2800" dirty="0"/>
+          </a:p>
+          <a:p>
+            <a:pPr marL="457200" lvl="1" indent="-457200">
+              <a:spcBef>
+                <a:spcPts val="1000"/>
+              </a:spcBef>
+              <a:buFont typeface="Wingdings" panose="05000000000000000000" pitchFamily="2" charset="2"/>
+              <a:buChar char="q"/>
+            </a:pPr>
+            <a:r>
+              <a:rPr lang="en-US" altLang="de-DE" sz="2800" dirty="0" smtClean="0"/>
+              <a:t>Data</a:t>
+            </a:r>
+            <a:r>
+              <a:rPr lang="zh-CN" altLang="en-US" sz="2800" dirty="0" smtClean="0"/>
+              <a:t> </a:t>
+            </a:r>
+            <a:r>
+              <a:rPr lang="en-US" altLang="zh-CN" sz="2800" dirty="0" smtClean="0"/>
+              <a:t>Fusion</a:t>
+            </a:r>
+            <a:endParaRPr lang="en-US" altLang="de-DE" sz="2800" dirty="0" smtClean="0"/>
+          </a:p>
+          <a:p>
+            <a:pPr marL="457200" lvl="1" indent="-457200">
+              <a:spcBef>
+                <a:spcPts val="1000"/>
+              </a:spcBef>
+              <a:buFont typeface="Wingdings" panose="05000000000000000000" pitchFamily="2" charset="2"/>
+              <a:buChar char="q"/>
+            </a:pPr>
+            <a:r>
+              <a:rPr lang="en-US" altLang="de-DE" sz="2800" dirty="0" smtClean="0"/>
+              <a:t>Conclusion</a:t>
+            </a:r>
+            <a:endParaRPr lang="en-US" altLang="de-DE" sz="2800" dirty="0"/>
+          </a:p>
+          <a:p>
+            <a:endParaRPr lang="en-US" dirty="0"/>
+          </a:p>
+        </p:txBody>
+      </p:sp>
+      <p:sp>
+        <p:nvSpPr>
+          <p:cNvPr id="5" name="object 2"/>
+          <p:cNvSpPr txBox="1"/>
+          <p:nvPr/>
+        </p:nvSpPr>
+        <p:spPr>
+          <a:xfrm>
+            <a:off x="174420" y="7137400"/>
+            <a:ext cx="10518980" cy="508000"/>
+          </a:xfrm>
+          <a:prstGeom prst="rect">
+            <a:avLst/>
+          </a:prstGeom>
+        </p:spPr>
+        <p:txBody>
+          <a:bodyPr vert="horz" wrap="square" lIns="0" tIns="0" rIns="0" bIns="0" rtlCol="0">
+            <a:noAutofit/>
+          </a:bodyPr>
+          <a:lstStyle/>
+          <a:p>
+            <a:pPr marL="12700"/>
+            <a:r>
+              <a:rPr lang="de-DE" spc="-5" dirty="0">
+                <a:solidFill>
+                  <a:srgbClr val="FFFFFF"/>
+                </a:solidFill>
+                <a:latin typeface="Arial"/>
+                <a:cs typeface="Arial"/>
+              </a:rPr>
+              <a:t> </a:t>
+            </a:r>
+            <a:r>
+              <a:rPr lang="de-DE" spc="-5" dirty="0" smtClean="0">
+                <a:solidFill>
+                  <a:srgbClr val="FFFFFF"/>
+                </a:solidFill>
+                <a:latin typeface="Arial"/>
+                <a:cs typeface="Arial"/>
+              </a:rPr>
+              <a:t>Data Mining I Project </a:t>
+            </a:r>
+            <a:r>
+              <a:rPr lang="zh-CN" altLang="en-US" spc="-5" dirty="0" smtClean="0">
+                <a:solidFill>
+                  <a:srgbClr val="FFFFFF"/>
+                </a:solidFill>
+                <a:latin typeface="Arial"/>
+                <a:cs typeface="Arial"/>
+              </a:rPr>
+              <a:t>              </a:t>
+            </a:r>
+            <a:r>
+              <a:rPr lang="de-DE" spc="-5" dirty="0" smtClean="0">
+                <a:solidFill>
+                  <a:srgbClr val="FFFFFF"/>
+                </a:solidFill>
+                <a:latin typeface="Arial"/>
+                <a:cs typeface="Arial"/>
+              </a:rPr>
+              <a:t>                         -  1  -                                </a:t>
+            </a:r>
+            <a:r>
+              <a:rPr lang="en-US" altLang="de-DE" sz="2000" dirty="0" smtClean="0">
+                <a:solidFill>
+                  <a:schemeClr val="bg1"/>
+                </a:solidFill>
+              </a:rPr>
+              <a:t>Data </a:t>
+            </a:r>
+            <a:r>
+              <a:rPr lang="en-US" altLang="de-DE" sz="2000" dirty="0">
+                <a:solidFill>
+                  <a:schemeClr val="bg1"/>
+                </a:solidFill>
+              </a:rPr>
+              <a:t>and Web Science Group</a:t>
+            </a:r>
+          </a:p>
+          <a:p>
+            <a:pPr marL="12700">
+              <a:lnSpc>
+                <a:spcPct val="100000"/>
+              </a:lnSpc>
+            </a:pPr>
+            <a:endParaRPr sz="2000" dirty="0">
+              <a:latin typeface="Arial"/>
+              <a:cs typeface="Arial"/>
+            </a:endParaRPr>
+          </a:p>
+        </p:txBody>
+      </p:sp>
+    </p:spTree>
+    <p:extLst>
+      <p:ext uri="{BB962C8B-B14F-4D97-AF65-F5344CB8AC3E}">
+        <p14:creationId xmlns:p14="http://schemas.microsoft.com/office/powerpoint/2010/main" val="1656967278"/>
       </p:ext>
     </p:extLst>
   </p:cSld>
@@ -12623,7 +13936,7 @@
   <a:extraClrSchemeLst/>
   <a:extLst>
     <a:ext uri="{05A4C25C-085E-4340-85A3-A5531E510DB2}">
-      <thm15:themeFamily xmlns:thm15="http://schemas.microsoft.com/office/thememl/2012/main" xmlns="" name="Office Theme" id="{62F939B6-93AF-4DB8-9C6B-D6C7DFDC589F}" vid="{4A3C46E8-61CC-4603-A589-7422A47A8E4A}"/>
+      <thm15:themeFamily xmlns="" xmlns:thm15="http://schemas.microsoft.com/office/thememl/2012/main" name="Office Theme" id="{62F939B6-93AF-4DB8-9C6B-D6C7DFDC589F}" vid="{4A3C46E8-61CC-4603-A589-7422A47A8E4A}"/>
     </a:ext>
   </a:extLst>
 </a:theme>
